--- a/phantomJs介绍-张成思.pptx
+++ b/phantomJs介绍-张成思.pptx
@@ -16,8 +16,8 @@
     <p:sldId id="294" r:id="rId7"/>
     <p:sldId id="296" r:id="rId8"/>
     <p:sldId id="297" r:id="rId9"/>
-    <p:sldId id="289" r:id="rId10"/>
-    <p:sldId id="288" r:id="rId11"/>
+    <p:sldId id="298" r:id="rId10"/>
+    <p:sldId id="289" r:id="rId11"/>
     <p:sldId id="292" r:id="rId12"/>
     <p:sldId id="264" r:id="rId13"/>
     <p:sldId id="293" r:id="rId14"/>
@@ -205,7 +205,7 @@
             <a:fld id="{77B5C447-024A-417C-838F-A46494C82FCF}" type="datetimeFigureOut">
               <a:rPr lang="zh-CN" altLang="en-US" smtClean="0"/>
               <a:pPr/>
-              <a:t>2016/11/3</a:t>
+              <a:t>2016/11/4</a:t>
             </a:fld>
             <a:endParaRPr lang="zh-CN" altLang="en-US"/>
           </a:p>
@@ -527,19 +527,7 @@
             </a:r>
             <a:r>
               <a:rPr lang="zh-CN" altLang="en-US" dirty="0" smtClean="0"/>
-              <a:t>我</a:t>
-            </a:r>
-            <a:r>
-              <a:rPr lang="zh-CN" altLang="en-US" dirty="0" smtClean="0"/>
-              <a:t>是是</a:t>
-            </a:r>
-            <a:r>
-              <a:rPr lang="zh-CN" altLang="en-US" dirty="0" smtClean="0"/>
-              <a:t>今年八月入职</a:t>
-            </a:r>
-            <a:r>
-              <a:rPr lang="zh-CN" altLang="en-US" dirty="0" smtClean="0"/>
-              <a:t>的前端</a:t>
+              <a:t>我是是今年八月入职的前端</a:t>
             </a:r>
             <a:r>
               <a:rPr lang="en-US" altLang="zh-CN" dirty="0" smtClean="0"/>
@@ -547,11 +535,7 @@
             </a:r>
             <a:r>
               <a:rPr lang="zh-CN" altLang="en-US" dirty="0" smtClean="0"/>
-              <a:t>我</a:t>
-            </a:r>
-            <a:r>
-              <a:rPr lang="zh-CN" altLang="en-US" dirty="0" smtClean="0"/>
-              <a:t>叫张成思</a:t>
+              <a:t>我叫张成思</a:t>
             </a:r>
             <a:r>
               <a:rPr lang="en-US" altLang="zh-CN" dirty="0" smtClean="0"/>
@@ -608,6 +592,486 @@
               <a:rPr lang="zh-CN" altLang="en-US" smtClean="0"/>
               <a:pPr/>
               <a:t>1</a:t>
+            </a:fld>
+            <a:endParaRPr lang="zh-CN" altLang="en-US"/>
+          </a:p>
+        </p:txBody>
+      </p:sp>
+    </p:spTree>
+  </p:cSld>
+  <p:clrMapOvr>
+    <a:masterClrMapping/>
+  </p:clrMapOvr>
+</p:notes>
+</file>
+
+<file path=ppt/notesSlides/notesSlide10.xml><?xml version="1.0" encoding="utf-8"?>
+<p:notes xmlns:a="http://schemas.openxmlformats.org/drawingml/2006/main" xmlns:r="http://schemas.openxmlformats.org/officeDocument/2006/relationships" xmlns:p="http://schemas.openxmlformats.org/presentationml/2006/main">
+  <p:cSld>
+    <p:spTree>
+      <p:nvGrpSpPr>
+        <p:cNvPr id="1" name=""/>
+        <p:cNvGrpSpPr/>
+        <p:nvPr/>
+      </p:nvGrpSpPr>
+      <p:grpSpPr>
+        <a:xfrm>
+          <a:off x="0" y="0"/>
+          <a:ext cx="0" cy="0"/>
+          <a:chOff x="0" y="0"/>
+          <a:chExt cx="0" cy="0"/>
+        </a:xfrm>
+      </p:grpSpPr>
+      <p:sp>
+        <p:nvSpPr>
+          <p:cNvPr id="2" name="幻灯片图像占位符 1"/>
+          <p:cNvSpPr>
+            <a:spLocks noGrp="1" noRot="1" noChangeAspect="1"/>
+          </p:cNvSpPr>
+          <p:nvPr>
+            <p:ph type="sldImg"/>
+          </p:nvPr>
+        </p:nvSpPr>
+        <p:spPr/>
+      </p:sp>
+      <p:sp>
+        <p:nvSpPr>
+          <p:cNvPr id="3" name="备注占位符 2"/>
+          <p:cNvSpPr>
+            <a:spLocks noGrp="1"/>
+          </p:cNvSpPr>
+          <p:nvPr>
+            <p:ph type="body" idx="1"/>
+          </p:nvPr>
+        </p:nvSpPr>
+        <p:spPr/>
+        <p:txBody>
+          <a:bodyPr>
+            <a:normAutofit/>
+          </a:bodyPr>
+          <a:lstStyle/>
+          <a:p>
+            <a:r>
+              <a:rPr lang="zh-CN" altLang="en-US" dirty="0" smtClean="0"/>
+              <a:t>下面我通过一个</a:t>
+            </a:r>
+            <a:r>
+              <a:rPr lang="en-US" altLang="zh-CN" dirty="0" smtClean="0"/>
+              <a:t>demo</a:t>
+            </a:r>
+            <a:r>
+              <a:rPr lang="zh-CN" altLang="en-US" dirty="0" smtClean="0"/>
+              <a:t>给大家演示下</a:t>
+            </a:r>
+            <a:r>
+              <a:rPr lang="en-US" altLang="zh-CN" dirty="0" err="1" smtClean="0"/>
+              <a:t>phantomJs</a:t>
+            </a:r>
+            <a:r>
+              <a:rPr lang="zh-CN" altLang="en-US" dirty="0" smtClean="0"/>
+              <a:t>的操作</a:t>
+            </a:r>
+            <a:r>
+              <a:rPr lang="en-US" altLang="zh-CN" dirty="0" smtClean="0"/>
+              <a:t>,</a:t>
+            </a:r>
+            <a:r>
+              <a:rPr lang="zh-CN" altLang="en-US" dirty="0" smtClean="0"/>
+              <a:t>这个</a:t>
+            </a:r>
+            <a:r>
+              <a:rPr lang="en-US" altLang="zh-CN" dirty="0" smtClean="0"/>
+              <a:t>demo</a:t>
+            </a:r>
+            <a:r>
+              <a:rPr lang="zh-CN" altLang="en-US" dirty="0" smtClean="0"/>
+              <a:t>要实现的目标就是</a:t>
+            </a:r>
+            <a:r>
+              <a:rPr lang="en-US" altLang="zh-CN" dirty="0" smtClean="0"/>
+              <a:t>,</a:t>
+            </a:r>
+            <a:r>
+              <a:rPr lang="zh-CN" altLang="en-US" dirty="0" smtClean="0"/>
+              <a:t>打开网易新闻</a:t>
+            </a:r>
+            <a:r>
+              <a:rPr lang="en-US" altLang="zh-CN" dirty="0" smtClean="0"/>
+              <a:t>,</a:t>
+            </a:r>
+            <a:r>
+              <a:rPr lang="zh-CN" altLang="en-US" dirty="0" smtClean="0"/>
+              <a:t>注入</a:t>
+            </a:r>
+            <a:r>
+              <a:rPr lang="en-US" altLang="zh-CN" dirty="0" err="1" smtClean="0"/>
+              <a:t>jquery</a:t>
+            </a:r>
+            <a:r>
+              <a:rPr lang="en-US" altLang="zh-CN" dirty="0" smtClean="0"/>
+              <a:t>,</a:t>
+            </a:r>
+            <a:r>
+              <a:rPr lang="zh-CN" altLang="en-US" dirty="0" smtClean="0"/>
+              <a:t>根据我预设的选择器</a:t>
+            </a:r>
+            <a:r>
+              <a:rPr lang="en-US" altLang="zh-CN" dirty="0" smtClean="0"/>
+              <a:t>,</a:t>
+            </a:r>
+            <a:r>
+              <a:rPr lang="zh-CN" altLang="en-US" dirty="0" smtClean="0"/>
+              <a:t>获取头条新闻链接</a:t>
+            </a:r>
+            <a:r>
+              <a:rPr lang="en-US" altLang="zh-CN" dirty="0" smtClean="0"/>
+              <a:t>,</a:t>
+            </a:r>
+            <a:r>
+              <a:rPr lang="zh-CN" altLang="en-US" dirty="0" smtClean="0"/>
+              <a:t>打开这个链接</a:t>
+            </a:r>
+            <a:r>
+              <a:rPr lang="en-US" altLang="zh-CN" dirty="0" smtClean="0"/>
+              <a:t>,</a:t>
+            </a:r>
+            <a:r>
+              <a:rPr lang="zh-CN" altLang="en-US" dirty="0" smtClean="0"/>
+              <a:t>把链接内容截图出来并保存</a:t>
+            </a:r>
+            <a:r>
+              <a:rPr lang="en-US" altLang="zh-CN" dirty="0" smtClean="0"/>
+              <a:t>.</a:t>
+            </a:r>
+          </a:p>
+          <a:p>
+            <a:r>
+              <a:rPr lang="zh-CN" altLang="en-US" dirty="0" smtClean="0"/>
+              <a:t>代码实现的流程是</a:t>
+            </a:r>
+            <a:r>
+              <a:rPr lang="en-US" altLang="zh-CN" dirty="0" smtClean="0"/>
+              <a:t>:1.require</a:t>
+            </a:r>
+            <a:r>
+              <a:rPr lang="zh-CN" altLang="en-US" dirty="0" smtClean="0"/>
+              <a:t>一个</a:t>
+            </a:r>
+            <a:r>
+              <a:rPr lang="en-US" altLang="zh-CN" dirty="0" smtClean="0"/>
+              <a:t>webpage</a:t>
+            </a:r>
+            <a:r>
+              <a:rPr lang="zh-CN" altLang="en-US" dirty="0" smtClean="0"/>
+              <a:t>模块 </a:t>
+            </a:r>
+            <a:r>
+              <a:rPr lang="en-US" altLang="zh-CN" dirty="0" smtClean="0"/>
+              <a:t>2.</a:t>
+            </a:r>
+            <a:r>
+              <a:rPr lang="zh-CN" altLang="en-US" dirty="0" smtClean="0"/>
+              <a:t>通过</a:t>
+            </a:r>
+            <a:r>
+              <a:rPr lang="en-US" altLang="zh-CN" dirty="0" smtClean="0"/>
+              <a:t>open,</a:t>
+            </a:r>
+            <a:r>
+              <a:rPr lang="zh-CN" altLang="en-US" dirty="0" smtClean="0"/>
+              <a:t>异步打开一个链接</a:t>
+            </a:r>
+            <a:r>
+              <a:rPr lang="en-US" altLang="zh-CN" baseline="0" dirty="0" smtClean="0"/>
+              <a:t> 3.</a:t>
+            </a:r>
+            <a:r>
+              <a:rPr lang="zh-CN" altLang="en-US" baseline="0" dirty="0" smtClean="0"/>
+              <a:t>打开成功后</a:t>
+            </a:r>
+            <a:r>
+              <a:rPr lang="en-US" altLang="zh-CN" baseline="0" dirty="0" smtClean="0"/>
+              <a:t>,</a:t>
+            </a:r>
+            <a:r>
+              <a:rPr lang="zh-CN" altLang="en-US" baseline="0" dirty="0" smtClean="0"/>
+              <a:t>注入</a:t>
+            </a:r>
+            <a:r>
+              <a:rPr lang="en-US" altLang="zh-CN" baseline="0" dirty="0" err="1" smtClean="0"/>
+              <a:t>jquery</a:t>
+            </a:r>
+            <a:r>
+              <a:rPr lang="en-US" altLang="zh-CN" baseline="0" dirty="0" smtClean="0"/>
+              <a:t> 4.</a:t>
+            </a:r>
+            <a:r>
+              <a:rPr lang="zh-CN" altLang="en-US" baseline="0" dirty="0" smtClean="0"/>
+              <a:t>通过</a:t>
+            </a:r>
+            <a:r>
+              <a:rPr lang="en-US" altLang="zh-CN" baseline="0" dirty="0" smtClean="0"/>
+              <a:t>evaluate</a:t>
+            </a:r>
+            <a:r>
+              <a:rPr lang="zh-CN" altLang="en-US" baseline="0" dirty="0" smtClean="0"/>
+              <a:t>创建一个函数</a:t>
+            </a:r>
+            <a:r>
+              <a:rPr lang="en-US" altLang="zh-CN" baseline="0" dirty="0" smtClean="0"/>
+              <a:t>,</a:t>
+            </a:r>
+            <a:r>
+              <a:rPr lang="zh-CN" altLang="en-US" baseline="0" dirty="0" smtClean="0"/>
+              <a:t>这个函数就是一个独立的环境</a:t>
+            </a:r>
+            <a:r>
+              <a:rPr lang="en-US" altLang="zh-CN" baseline="0" dirty="0" smtClean="0"/>
+              <a:t>,</a:t>
+            </a:r>
+            <a:r>
+              <a:rPr lang="zh-CN" altLang="en-US" baseline="0" dirty="0" smtClean="0"/>
+              <a:t>在这里头执行的代码就是对内容的直接操作</a:t>
+            </a:r>
+            <a:r>
+              <a:rPr lang="en-US" altLang="zh-CN" baseline="0" dirty="0" smtClean="0"/>
+              <a:t>,</a:t>
+            </a:r>
+            <a:r>
+              <a:rPr lang="zh-CN" altLang="en-US" baseline="0" dirty="0" smtClean="0"/>
+              <a:t>这里我们通过选择器获得头条的地址并返回</a:t>
+            </a:r>
+            <a:r>
+              <a:rPr lang="en-US" altLang="zh-CN" baseline="0" dirty="0" smtClean="0"/>
+              <a:t>. 5.</a:t>
+            </a:r>
+            <a:r>
+              <a:rPr lang="zh-CN" altLang="en-US" baseline="0" dirty="0" smtClean="0"/>
+              <a:t>打开这个地址</a:t>
+            </a:r>
+            <a:r>
+              <a:rPr lang="en-US" altLang="zh-CN" baseline="0" dirty="0" smtClean="0"/>
+              <a:t>,</a:t>
+            </a:r>
+            <a:r>
+              <a:rPr lang="zh-CN" altLang="en-US" baseline="0" dirty="0" smtClean="0"/>
+              <a:t>进行截图并保存</a:t>
+            </a:r>
+            <a:r>
+              <a:rPr lang="en-US" altLang="zh-CN" baseline="0" dirty="0" smtClean="0"/>
+              <a:t>.</a:t>
+            </a:r>
+            <a:endParaRPr lang="zh-CN" altLang="en-US" dirty="0"/>
+          </a:p>
+        </p:txBody>
+      </p:sp>
+      <p:sp>
+        <p:nvSpPr>
+          <p:cNvPr id="4" name="灯片编号占位符 3"/>
+          <p:cNvSpPr>
+            <a:spLocks noGrp="1"/>
+          </p:cNvSpPr>
+          <p:nvPr>
+            <p:ph type="sldNum" sz="quarter" idx="10"/>
+          </p:nvPr>
+        </p:nvSpPr>
+        <p:spPr/>
+        <p:txBody>
+          <a:bodyPr/>
+          <a:lstStyle/>
+          <a:p>
+            <a:fld id="{DEBF8DDC-2033-44E9-A853-0FC4CF412EED}" type="slidenum">
+              <a:rPr lang="zh-CN" altLang="en-US" smtClean="0"/>
+              <a:pPr/>
+              <a:t>10</a:t>
+            </a:fld>
+            <a:endParaRPr lang="zh-CN" altLang="en-US"/>
+          </a:p>
+        </p:txBody>
+      </p:sp>
+    </p:spTree>
+  </p:cSld>
+  <p:clrMapOvr>
+    <a:masterClrMapping/>
+  </p:clrMapOvr>
+</p:notes>
+</file>
+
+<file path=ppt/notesSlides/notesSlide11.xml><?xml version="1.0" encoding="utf-8"?>
+<p:notes xmlns:a="http://schemas.openxmlformats.org/drawingml/2006/main" xmlns:r="http://schemas.openxmlformats.org/officeDocument/2006/relationships" xmlns:p="http://schemas.openxmlformats.org/presentationml/2006/main">
+  <p:cSld>
+    <p:spTree>
+      <p:nvGrpSpPr>
+        <p:cNvPr id="1" name=""/>
+        <p:cNvGrpSpPr/>
+        <p:nvPr/>
+      </p:nvGrpSpPr>
+      <p:grpSpPr>
+        <a:xfrm>
+          <a:off x="0" y="0"/>
+          <a:ext cx="0" cy="0"/>
+          <a:chOff x="0" y="0"/>
+          <a:chExt cx="0" cy="0"/>
+        </a:xfrm>
+      </p:grpSpPr>
+      <p:sp>
+        <p:nvSpPr>
+          <p:cNvPr id="2" name="幻灯片图像占位符 1"/>
+          <p:cNvSpPr>
+            <a:spLocks noGrp="1" noRot="1" noChangeAspect="1"/>
+          </p:cNvSpPr>
+          <p:nvPr>
+            <p:ph type="sldImg"/>
+          </p:nvPr>
+        </p:nvSpPr>
+        <p:spPr/>
+      </p:sp>
+      <p:sp>
+        <p:nvSpPr>
+          <p:cNvPr id="3" name="备注占位符 2"/>
+          <p:cNvSpPr>
+            <a:spLocks noGrp="1"/>
+          </p:cNvSpPr>
+          <p:nvPr>
+            <p:ph type="body" idx="1"/>
+          </p:nvPr>
+        </p:nvSpPr>
+        <p:spPr/>
+        <p:txBody>
+          <a:bodyPr>
+            <a:normAutofit/>
+          </a:bodyPr>
+          <a:lstStyle/>
+          <a:p>
+            <a:r>
+              <a:rPr lang="zh-CN" altLang="en-US" dirty="0" smtClean="0"/>
+              <a:t>本来项目中只用到了它很少的功能</a:t>
+            </a:r>
+            <a:r>
+              <a:rPr lang="en-US" altLang="zh-CN" dirty="0" smtClean="0"/>
+              <a:t>,</a:t>
+            </a:r>
+            <a:r>
+              <a:rPr lang="zh-CN" altLang="en-US" dirty="0" smtClean="0"/>
+              <a:t>但是编写的时候就遇到了问题</a:t>
+            </a:r>
+            <a:r>
+              <a:rPr lang="en-US" altLang="zh-CN" dirty="0" smtClean="0"/>
+              <a:t>1,</a:t>
+            </a:r>
+            <a:endParaRPr lang="zh-CN" altLang="en-US" dirty="0"/>
+          </a:p>
+        </p:txBody>
+      </p:sp>
+      <p:sp>
+        <p:nvSpPr>
+          <p:cNvPr id="4" name="灯片编号占位符 3"/>
+          <p:cNvSpPr>
+            <a:spLocks noGrp="1"/>
+          </p:cNvSpPr>
+          <p:nvPr>
+            <p:ph type="sldNum" sz="quarter" idx="10"/>
+          </p:nvPr>
+        </p:nvSpPr>
+        <p:spPr/>
+        <p:txBody>
+          <a:bodyPr/>
+          <a:lstStyle/>
+          <a:p>
+            <a:fld id="{DEBF8DDC-2033-44E9-A853-0FC4CF412EED}" type="slidenum">
+              <a:rPr lang="zh-CN" altLang="en-US" smtClean="0"/>
+              <a:pPr/>
+              <a:t>11</a:t>
+            </a:fld>
+            <a:endParaRPr lang="zh-CN" altLang="en-US"/>
+          </a:p>
+        </p:txBody>
+      </p:sp>
+    </p:spTree>
+  </p:cSld>
+  <p:clrMapOvr>
+    <a:masterClrMapping/>
+  </p:clrMapOvr>
+</p:notes>
+</file>
+
+<file path=ppt/notesSlides/notesSlide12.xml><?xml version="1.0" encoding="utf-8"?>
+<p:notes xmlns:a="http://schemas.openxmlformats.org/drawingml/2006/main" xmlns:r="http://schemas.openxmlformats.org/officeDocument/2006/relationships" xmlns:p="http://schemas.openxmlformats.org/presentationml/2006/main">
+  <p:cSld>
+    <p:spTree>
+      <p:nvGrpSpPr>
+        <p:cNvPr id="1" name=""/>
+        <p:cNvGrpSpPr/>
+        <p:nvPr/>
+      </p:nvGrpSpPr>
+      <p:grpSpPr>
+        <a:xfrm>
+          <a:off x="0" y="0"/>
+          <a:ext cx="0" cy="0"/>
+          <a:chOff x="0" y="0"/>
+          <a:chExt cx="0" cy="0"/>
+        </a:xfrm>
+      </p:grpSpPr>
+      <p:sp>
+        <p:nvSpPr>
+          <p:cNvPr id="2" name="幻灯片图像占位符 1"/>
+          <p:cNvSpPr>
+            <a:spLocks noGrp="1" noRot="1" noChangeAspect="1"/>
+          </p:cNvSpPr>
+          <p:nvPr>
+            <p:ph type="sldImg"/>
+          </p:nvPr>
+        </p:nvSpPr>
+        <p:spPr/>
+      </p:sp>
+      <p:sp>
+        <p:nvSpPr>
+          <p:cNvPr id="3" name="备注占位符 2"/>
+          <p:cNvSpPr>
+            <a:spLocks noGrp="1"/>
+          </p:cNvSpPr>
+          <p:nvPr>
+            <p:ph type="body" idx="1"/>
+          </p:nvPr>
+        </p:nvSpPr>
+        <p:spPr/>
+        <p:txBody>
+          <a:bodyPr>
+            <a:normAutofit/>
+          </a:bodyPr>
+          <a:lstStyle/>
+          <a:p>
+            <a:r>
+              <a:rPr lang="en-US" altLang="zh-CN" dirty="0" smtClean="0"/>
+              <a:t> </a:t>
+            </a:r>
+            <a:r>
+              <a:rPr lang="zh-CN" altLang="en-US" dirty="0" smtClean="0"/>
+              <a:t>我也是</a:t>
+            </a:r>
+            <a:endParaRPr lang="zh-CN" altLang="en-US" dirty="0"/>
+          </a:p>
+        </p:txBody>
+      </p:sp>
+      <p:sp>
+        <p:nvSpPr>
+          <p:cNvPr id="4" name="灯片编号占位符 3"/>
+          <p:cNvSpPr>
+            <a:spLocks noGrp="1"/>
+          </p:cNvSpPr>
+          <p:nvPr>
+            <p:ph type="sldNum" sz="quarter" idx="10"/>
+          </p:nvPr>
+        </p:nvSpPr>
+        <p:spPr/>
+        <p:txBody>
+          <a:bodyPr/>
+          <a:lstStyle/>
+          <a:p>
+            <a:fld id="{DEBF8DDC-2033-44E9-A853-0FC4CF412EED}" type="slidenum">
+              <a:rPr lang="zh-CN" altLang="en-US" smtClean="0"/>
+              <a:pPr/>
+              <a:t>12</a:t>
             </a:fld>
             <a:endParaRPr lang="zh-CN" altLang="en-US"/>
           </a:p>
@@ -837,11 +1301,7 @@
             </a:r>
             <a:r>
               <a:rPr lang="zh-CN" altLang="en-US" dirty="0" smtClean="0"/>
-              <a:t>我们</a:t>
-            </a:r>
-            <a:r>
-              <a:rPr lang="zh-CN" altLang="en-US" dirty="0" smtClean="0"/>
-              <a:t>可以通过</a:t>
+              <a:t>我们可以通过</a:t>
             </a:r>
             <a:r>
               <a:rPr lang="en-US" altLang="zh-CN" dirty="0" err="1" smtClean="0"/>
@@ -849,17 +1309,12 @@
             </a:r>
             <a:r>
               <a:rPr lang="zh-CN" altLang="en-US" dirty="0" smtClean="0"/>
-              <a:t>脚本语言</a:t>
-            </a:r>
-            <a:r>
-              <a:rPr lang="zh-CN" altLang="en-US" dirty="0" smtClean="0"/>
-              <a:t>来编写程序模拟一切在浏览器上能做的操作</a:t>
+              <a:t>脚本语言来编写程序模拟一切在浏览器上能做的操作</a:t>
             </a:r>
             <a:r>
               <a:rPr lang="en-US" altLang="zh-CN" dirty="0" smtClean="0"/>
               <a:t>.</a:t>
             </a:r>
-            <a:endParaRPr lang="en-US" altLang="zh-CN" dirty="0" smtClean="0"/>
           </a:p>
         </p:txBody>
       </p:sp>
@@ -1003,7 +1458,15 @@
             </a:r>
             <a:r>
               <a:rPr lang="zh-CN" altLang="en-US" dirty="0" smtClean="0"/>
-              <a:t>底层架构是一些主要第三方模块</a:t>
+              <a:t>我们看这张图的下面</a:t>
+            </a:r>
+            <a:r>
+              <a:rPr lang="en-US" altLang="zh-CN" dirty="0" smtClean="0"/>
+              <a:t>,</a:t>
+            </a:r>
+            <a:r>
+              <a:rPr lang="zh-CN" altLang="en-US" dirty="0" smtClean="0"/>
+              <a:t>是它的一些第三方模块</a:t>
             </a:r>
             <a:r>
               <a:rPr lang="en-US" altLang="zh-CN" dirty="0" smtClean="0"/>
@@ -1047,7 +1510,23 @@
             </a:r>
             <a:r>
               <a:rPr lang="zh-CN" altLang="en-US" dirty="0" smtClean="0"/>
-              <a:t>软件的一个模块</a:t>
+              <a:t>软件的一</a:t>
+            </a:r>
+            <a:r>
+              <a:rPr lang="zh-CN" altLang="en-US" dirty="0" smtClean="0"/>
+              <a:t>个库</a:t>
+            </a:r>
+            <a:r>
+              <a:rPr lang="en-US" altLang="zh-CN" dirty="0" smtClean="0"/>
+              <a:t>,qt</a:t>
+            </a:r>
+            <a:r>
+              <a:rPr lang="zh-CN" altLang="en-US" dirty="0" smtClean="0"/>
+              <a:t>是一个跨平台的</a:t>
+            </a:r>
+            <a:r>
+              <a:rPr lang="zh-CN" altLang="en-US" dirty="0" smtClean="0"/>
+              <a:t>软件开发环境</a:t>
             </a:r>
             <a:r>
               <a:rPr lang="en-US" altLang="zh-CN" dirty="0" smtClean="0"/>
@@ -1055,15 +1534,15 @@
             </a:r>
             <a:r>
               <a:rPr lang="zh-CN" altLang="en-US" dirty="0" smtClean="0"/>
-              <a:t>而</a:t>
-            </a:r>
-            <a:r>
-              <a:rPr lang="en-US" altLang="zh-CN" dirty="0" smtClean="0"/>
-              <a:t>qt</a:t>
-            </a:r>
-            <a:r>
-              <a:rPr lang="zh-CN" altLang="en-US" dirty="0" smtClean="0"/>
-              <a:t>是一个跨平台的软件开发库</a:t>
+              <a:t>曾被</a:t>
+            </a:r>
+            <a:r>
+              <a:rPr lang="en-US" altLang="zh-CN" dirty="0" smtClean="0"/>
+              <a:t>Nokia</a:t>
+            </a:r>
+            <a:r>
+              <a:rPr lang="zh-CN" altLang="en-US" dirty="0" smtClean="0"/>
+              <a:t>收购用于开发萨班上的程序</a:t>
             </a:r>
             <a:r>
               <a:rPr lang="en-US" altLang="zh-CN" dirty="0" smtClean="0"/>
@@ -1071,27 +1550,19 @@
             </a:r>
             <a:r>
               <a:rPr lang="zh-CN" altLang="en-US" dirty="0" smtClean="0"/>
-              <a:t>最早的德班系统就是基于</a:t>
-            </a:r>
-            <a:r>
-              <a:rPr lang="en-US" altLang="zh-CN" dirty="0" smtClean="0"/>
-              <a:t>qt</a:t>
-            </a:r>
-            <a:r>
-              <a:rPr lang="zh-CN" altLang="en-US" dirty="0" smtClean="0"/>
-              <a:t>开发的</a:t>
-            </a:r>
-            <a:r>
-              <a:rPr lang="en-US" altLang="zh-CN" dirty="0" smtClean="0"/>
-              <a:t>.	Mongoose</a:t>
-            </a:r>
-            <a:r>
-              <a:rPr lang="zh-CN" altLang="en-US" dirty="0" smtClean="0"/>
-              <a:t>提供</a:t>
-            </a:r>
-            <a:r>
-              <a:rPr lang="zh-CN" altLang="en-US" dirty="0" smtClean="0"/>
-              <a:t>了创建网络服务的功能</a:t>
+              <a:t>后来向公众开放了</a:t>
+            </a:r>
+            <a:r>
+              <a:rPr lang="en-US" altLang="zh-CN" dirty="0" smtClean="0"/>
+              <a:t>.</a:t>
+            </a:r>
+            <a:r>
+              <a:rPr lang="en-US" altLang="zh-CN" dirty="0" smtClean="0"/>
+              <a:t>	Mongoose</a:t>
+            </a:r>
+            <a:r>
+              <a:rPr lang="zh-CN" altLang="en-US" dirty="0" smtClean="0"/>
+              <a:t>提供了创建网络服务的功能</a:t>
             </a:r>
             <a:r>
               <a:rPr lang="en-US" altLang="zh-CN" dirty="0" smtClean="0"/>
@@ -1135,19 +1606,7 @@
             </a:r>
             <a:r>
               <a:rPr lang="zh-CN" altLang="en-US" dirty="0" smtClean="0"/>
-              <a:t>编译出一个跨平台的可执行</a:t>
-            </a:r>
-            <a:r>
-              <a:rPr lang="zh-CN" altLang="en-US" dirty="0" smtClean="0"/>
-              <a:t>文件这个</a:t>
-            </a:r>
-            <a:r>
-              <a:rPr lang="zh-CN" altLang="en-US" dirty="0" smtClean="0"/>
-              <a:t>可执行</a:t>
-            </a:r>
-            <a:r>
-              <a:rPr lang="zh-CN" altLang="en-US" dirty="0" smtClean="0"/>
-              <a:t>文件给用户提供</a:t>
+              <a:t>编译出一个跨平台的可执行文件这个可执行文件给用户提供</a:t>
             </a:r>
             <a:r>
               <a:rPr lang="en-US" altLang="zh-CN" dirty="0" err="1" smtClean="0"/>
@@ -1381,7 +1840,11 @@
             <a:pPr lvl="1"/>
             <a:r>
               <a:rPr lang="zh-CN" altLang="en-US" baseline="0" dirty="0" smtClean="0"/>
-              <a:t>页面截图</a:t>
+              <a:t>页面</a:t>
+            </a:r>
+            <a:r>
+              <a:rPr lang="zh-CN" altLang="en-US" baseline="0" dirty="0" smtClean="0"/>
+              <a:t>截图</a:t>
             </a:r>
             <a:r>
               <a:rPr lang="en-US" altLang="zh-CN" baseline="0" dirty="0" smtClean="0"/>
@@ -1421,201 +1884,6 @@
             </a:pPr>
             <a:r>
               <a:rPr lang="zh-CN" altLang="en-US" dirty="0" smtClean="0"/>
-              <a:t>页面自动化操作</a:t>
-            </a:r>
-            <a:r>
-              <a:rPr lang="en-US" altLang="zh-CN" dirty="0" smtClean="0"/>
-              <a:t>,</a:t>
-            </a:r>
-            <a:r>
-              <a:rPr lang="zh-CN" altLang="en-US" dirty="0" smtClean="0"/>
-              <a:t>能够实现对浏览器自身的控制</a:t>
-            </a:r>
-            <a:r>
-              <a:rPr lang="en-US" altLang="zh-CN" dirty="0" smtClean="0"/>
-              <a:t>,</a:t>
-            </a:r>
-            <a:r>
-              <a:rPr lang="zh-CN" altLang="en-US" dirty="0" smtClean="0"/>
-              <a:t>比如控制浏览器大小</a:t>
-            </a:r>
-            <a:r>
-              <a:rPr lang="en-US" altLang="zh-CN" dirty="0" smtClean="0"/>
-              <a:t>,</a:t>
-            </a:r>
-            <a:r>
-              <a:rPr lang="zh-CN" altLang="en-US" dirty="0" smtClean="0"/>
-              <a:t>控制</a:t>
-            </a:r>
-            <a:r>
-              <a:rPr lang="en-US" altLang="zh-CN" dirty="0" smtClean="0"/>
-              <a:t>cookie,</a:t>
-            </a:r>
-            <a:r>
-              <a:rPr lang="zh-CN" altLang="en-US" dirty="0" smtClean="0"/>
-              <a:t>控制发送请求头</a:t>
-            </a:r>
-            <a:r>
-              <a:rPr lang="en-US" altLang="zh-CN" dirty="0" smtClean="0"/>
-              <a:t>,</a:t>
-            </a:r>
-            <a:r>
-              <a:rPr lang="zh-CN" altLang="en-US" dirty="0" smtClean="0"/>
-              <a:t>对页面内容的控制</a:t>
-            </a:r>
-            <a:r>
-              <a:rPr lang="en-US" altLang="zh-CN" dirty="0" smtClean="0"/>
-              <a:t>,</a:t>
-            </a:r>
-            <a:r>
-              <a:rPr lang="zh-CN" altLang="en-US" dirty="0" smtClean="0"/>
-              <a:t>包括注入第三方</a:t>
-            </a:r>
-            <a:r>
-              <a:rPr lang="en-US" altLang="zh-CN" dirty="0" err="1" smtClean="0"/>
-              <a:t>js</a:t>
-            </a:r>
-            <a:r>
-              <a:rPr lang="zh-CN" altLang="en-US" dirty="0" smtClean="0"/>
-              <a:t>库</a:t>
-            </a:r>
-            <a:r>
-              <a:rPr lang="en-US" altLang="zh-CN" dirty="0" smtClean="0"/>
-              <a:t>,</a:t>
-            </a:r>
-            <a:r>
-              <a:rPr lang="zh-CN" altLang="en-US" dirty="0" smtClean="0"/>
-              <a:t>执行</a:t>
-            </a:r>
-            <a:r>
-              <a:rPr lang="en-US" altLang="zh-CN" dirty="0" err="1" smtClean="0"/>
-              <a:t>dom</a:t>
-            </a:r>
-            <a:r>
-              <a:rPr lang="zh-CN" altLang="en-US" dirty="0" smtClean="0"/>
-              <a:t>操作等</a:t>
-            </a:r>
-            <a:r>
-              <a:rPr lang="en-US" altLang="zh-CN" dirty="0" smtClean="0"/>
-              <a:t>.</a:t>
-            </a:r>
-            <a:r>
-              <a:rPr lang="zh-CN" altLang="en-US" dirty="0" smtClean="0"/>
-              <a:t> 现在主要的应用有两个</a:t>
-            </a:r>
-            <a:r>
-              <a:rPr lang="en-US" altLang="zh-CN" dirty="0" smtClean="0"/>
-              <a:t>,</a:t>
-            </a:r>
-            <a:r>
-              <a:rPr lang="zh-CN" altLang="en-US" dirty="0" smtClean="0"/>
-              <a:t>一个是写写自动化脚本</a:t>
-            </a:r>
-            <a:r>
-              <a:rPr lang="en-US" altLang="zh-CN" dirty="0" smtClean="0"/>
-              <a:t>,</a:t>
-            </a:r>
-            <a:r>
-              <a:rPr lang="zh-CN" altLang="en-US" dirty="0" smtClean="0"/>
-              <a:t>比如网络爬虫</a:t>
-            </a:r>
-            <a:r>
-              <a:rPr lang="en-US" altLang="zh-CN" dirty="0" smtClean="0"/>
-              <a:t>,</a:t>
-            </a:r>
-            <a:r>
-              <a:rPr lang="zh-CN" altLang="en-US" dirty="0" smtClean="0"/>
-              <a:t>抢票程序</a:t>
-            </a:r>
-            <a:r>
-              <a:rPr lang="en-US" altLang="zh-CN" dirty="0" smtClean="0"/>
-              <a:t>,</a:t>
-            </a:r>
-            <a:r>
-              <a:rPr lang="zh-CN" altLang="en-US" dirty="0" smtClean="0"/>
-              <a:t>第二个就是自动化</a:t>
-            </a:r>
-            <a:r>
-              <a:rPr lang="en-US" altLang="zh-CN" dirty="0" smtClean="0"/>
-              <a:t>UI</a:t>
-            </a:r>
-            <a:r>
-              <a:rPr lang="zh-CN" altLang="en-US" dirty="0" smtClean="0"/>
-              <a:t>测试了</a:t>
-            </a:r>
-            <a:r>
-              <a:rPr lang="en-US" altLang="zh-CN" dirty="0" smtClean="0"/>
-              <a:t>,</a:t>
-            </a:r>
-            <a:r>
-              <a:rPr lang="zh-CN" altLang="en-US" dirty="0" smtClean="0"/>
-              <a:t> 如果有大量重复的</a:t>
-            </a:r>
-            <a:r>
-              <a:rPr lang="en-US" altLang="zh-CN" dirty="0" err="1" smtClean="0"/>
-              <a:t>ui</a:t>
-            </a:r>
-            <a:r>
-              <a:rPr lang="zh-CN" altLang="en-US" dirty="0" smtClean="0"/>
-              <a:t>测试的话</a:t>
-            </a:r>
-            <a:r>
-              <a:rPr lang="en-US" altLang="zh-CN" dirty="0" smtClean="0"/>
-              <a:t>,</a:t>
-            </a:r>
-            <a:r>
-              <a:rPr lang="zh-CN" altLang="en-US" dirty="0" smtClean="0"/>
-              <a:t>可以通过</a:t>
-            </a:r>
-            <a:r>
-              <a:rPr lang="en-US" altLang="zh-CN" dirty="0" err="1" smtClean="0"/>
-              <a:t>phantomjs</a:t>
-            </a:r>
-            <a:r>
-              <a:rPr lang="zh-CN" altLang="en-US" dirty="0" smtClean="0"/>
-              <a:t>编写脚本</a:t>
-            </a:r>
-            <a:r>
-              <a:rPr lang="en-US" altLang="zh-CN" dirty="0" smtClean="0"/>
-              <a:t>,</a:t>
-            </a:r>
-            <a:r>
-              <a:rPr lang="zh-CN" altLang="en-US" dirty="0" smtClean="0"/>
-              <a:t>模拟人工的各种</a:t>
-            </a:r>
-            <a:r>
-              <a:rPr lang="en-US" altLang="zh-CN" dirty="0" err="1" smtClean="0"/>
-              <a:t>ui</a:t>
-            </a:r>
-            <a:r>
-              <a:rPr lang="zh-CN" altLang="en-US" dirty="0" smtClean="0"/>
-              <a:t>操作</a:t>
-            </a:r>
-            <a:r>
-              <a:rPr lang="en-US" altLang="zh-CN" dirty="0" smtClean="0"/>
-              <a:t>.</a:t>
-            </a:r>
-          </a:p>
-          <a:p>
-            <a:pPr marL="0" marR="0" indent="0" algn="l" defTabSz="914400" rtl="0" eaLnBrk="1" fontAlgn="auto" latinLnBrk="0" hangingPunct="1">
-              <a:lnSpc>
-                <a:spcPct val="100000"/>
-              </a:lnSpc>
-              <a:spcBef>
-                <a:spcPts val="0"/>
-              </a:spcBef>
-              <a:spcAft>
-                <a:spcPts val="0"/>
-              </a:spcAft>
-              <a:buClrTx/>
-              <a:buSzTx/>
-              <a:buFontTx/>
-              <a:buNone/>
-              <a:tabLst/>
-              <a:defRPr/>
-            </a:pPr>
-            <a:r>
-              <a:rPr lang="zh-CN" altLang="en-US" dirty="0" smtClean="0"/>
               <a:t>网络性能监控就是通过发送和接收</a:t>
             </a:r>
             <a:r>
@@ -1645,185 +1913,6 @@
             <a:r>
               <a:rPr lang="zh-CN" altLang="en-US" dirty="0" smtClean="0"/>
               <a:t>并进行分析</a:t>
-            </a:r>
-            <a:r>
-              <a:rPr lang="en-US" altLang="zh-CN" dirty="0" smtClean="0"/>
-              <a:t>.</a:t>
-            </a:r>
-          </a:p>
-          <a:p>
-            <a:pPr marL="0" marR="0" indent="0" algn="l" defTabSz="914400" rtl="0" eaLnBrk="1" fontAlgn="auto" latinLnBrk="0" hangingPunct="1">
-              <a:lnSpc>
-                <a:spcPct val="100000"/>
-              </a:lnSpc>
-              <a:spcBef>
-                <a:spcPts val="0"/>
-              </a:spcBef>
-              <a:spcAft>
-                <a:spcPts val="0"/>
-              </a:spcAft>
-              <a:buClrTx/>
-              <a:buSzTx/>
-              <a:buFontTx/>
-              <a:buNone/>
-              <a:tabLst/>
-              <a:defRPr/>
-            </a:pPr>
-            <a:r>
-              <a:rPr lang="zh-CN" altLang="en-US" dirty="0" smtClean="0"/>
-              <a:t>网页监控目前主流的实现方式有两个</a:t>
-            </a:r>
-            <a:r>
-              <a:rPr lang="en-US" altLang="zh-CN" dirty="0" smtClean="0"/>
-              <a:t>,</a:t>
-            </a:r>
-            <a:r>
-              <a:rPr lang="zh-CN" altLang="en-US" dirty="0" smtClean="0"/>
-              <a:t>一个是</a:t>
-            </a:r>
-            <a:r>
-              <a:rPr lang="en-US" altLang="zh-CN" dirty="0" err="1" smtClean="0"/>
-              <a:t>dom</a:t>
-            </a:r>
-            <a:r>
-              <a:rPr lang="zh-CN" altLang="en-US" dirty="0" smtClean="0"/>
-              <a:t>比对</a:t>
-            </a:r>
-            <a:r>
-              <a:rPr lang="en-US" altLang="zh-CN" dirty="0" smtClean="0"/>
-              <a:t>,</a:t>
-            </a:r>
-            <a:r>
-              <a:rPr lang="zh-CN" altLang="en-US" dirty="0" smtClean="0"/>
-              <a:t>就是通过定时抓取获得</a:t>
-            </a:r>
-            <a:r>
-              <a:rPr lang="en-US" altLang="zh-CN" dirty="0" err="1" smtClean="0"/>
-              <a:t>dom</a:t>
-            </a:r>
-            <a:r>
-              <a:rPr lang="zh-CN" altLang="en-US" dirty="0" smtClean="0"/>
-              <a:t>树</a:t>
-            </a:r>
-            <a:r>
-              <a:rPr lang="en-US" altLang="zh-CN" dirty="0" smtClean="0"/>
-              <a:t>,</a:t>
-            </a:r>
-            <a:r>
-              <a:rPr lang="zh-CN" altLang="en-US" dirty="0" smtClean="0"/>
-              <a:t>通过</a:t>
-            </a:r>
-            <a:r>
-              <a:rPr lang="en-US" altLang="zh-CN" dirty="0" smtClean="0"/>
-              <a:t>diff</a:t>
-            </a:r>
-            <a:r>
-              <a:rPr lang="zh-CN" altLang="en-US" dirty="0" smtClean="0"/>
-              <a:t>算法分析来查看网页是否有变化</a:t>
-            </a:r>
-            <a:r>
-              <a:rPr lang="en-US" altLang="zh-CN" dirty="0" smtClean="0"/>
-              <a:t>.</a:t>
-            </a:r>
-            <a:r>
-              <a:rPr lang="zh-CN" altLang="en-US" dirty="0" smtClean="0"/>
-              <a:t>另外一个就是通过像素比对</a:t>
-            </a:r>
-            <a:r>
-              <a:rPr lang="en-US" altLang="zh-CN" dirty="0" smtClean="0"/>
-              <a:t>,</a:t>
-            </a:r>
-            <a:r>
-              <a:rPr lang="zh-CN" altLang="en-US" dirty="0" smtClean="0"/>
-              <a:t>有一个第三方库</a:t>
-            </a:r>
-            <a:r>
-              <a:rPr lang="en-US" altLang="zh-CN" dirty="0" err="1" smtClean="0"/>
-              <a:t>phantomCss</a:t>
-            </a:r>
-            <a:r>
-              <a:rPr lang="zh-CN" altLang="en-US" dirty="0" smtClean="0"/>
-              <a:t>能实现网页的像素比对</a:t>
-            </a:r>
-            <a:r>
-              <a:rPr lang="en-US" altLang="zh-CN" dirty="0" smtClean="0"/>
-              <a:t>,</a:t>
-            </a:r>
-            <a:r>
-              <a:rPr lang="zh-CN" altLang="en-US" dirty="0" smtClean="0"/>
-              <a:t>我看了下它的源代码</a:t>
-            </a:r>
-            <a:r>
-              <a:rPr lang="en-US" altLang="zh-CN" dirty="0" smtClean="0"/>
-              <a:t>,</a:t>
-            </a:r>
-            <a:r>
-              <a:rPr lang="zh-CN" altLang="en-US" dirty="0" smtClean="0"/>
-              <a:t>就是基于</a:t>
-            </a:r>
-            <a:r>
-              <a:rPr lang="en-US" altLang="zh-CN" dirty="0" err="1" smtClean="0"/>
-              <a:t>phantomjs</a:t>
-            </a:r>
-            <a:r>
-              <a:rPr lang="zh-CN" altLang="en-US" dirty="0" smtClean="0"/>
-              <a:t>的截图</a:t>
-            </a:r>
-            <a:r>
-              <a:rPr lang="en-US" altLang="zh-CN" dirty="0" smtClean="0"/>
-              <a:t>,</a:t>
-            </a:r>
-            <a:r>
-              <a:rPr lang="zh-CN" altLang="en-US" dirty="0" smtClean="0"/>
-              <a:t>把截图转换成</a:t>
-            </a:r>
-            <a:r>
-              <a:rPr lang="en-US" altLang="zh-CN" dirty="0" smtClean="0"/>
-              <a:t>canvas,</a:t>
-            </a:r>
-            <a:r>
-              <a:rPr lang="zh-CN" altLang="en-US" dirty="0" smtClean="0"/>
-              <a:t>然后调用浏览器原生的</a:t>
-            </a:r>
-            <a:r>
-              <a:rPr lang="en-US" altLang="zh-CN" dirty="0" smtClean="0"/>
-              <a:t>canvas</a:t>
-            </a:r>
-            <a:r>
-              <a:rPr lang="zh-CN" altLang="en-US" dirty="0" smtClean="0"/>
-              <a:t>的</a:t>
-            </a:r>
-            <a:r>
-              <a:rPr lang="en-US" altLang="zh-CN" dirty="0" err="1" smtClean="0"/>
-              <a:t>imageData</a:t>
-            </a:r>
-            <a:r>
-              <a:rPr lang="zh-CN" altLang="en-US" dirty="0" smtClean="0"/>
-              <a:t>接口</a:t>
-            </a:r>
-            <a:r>
-              <a:rPr lang="en-US" altLang="zh-CN" dirty="0" smtClean="0"/>
-              <a:t>,</a:t>
-            </a:r>
-            <a:r>
-              <a:rPr lang="zh-CN" altLang="en-US" dirty="0" smtClean="0"/>
-              <a:t>直接操作像素进行比对</a:t>
-            </a:r>
-            <a:r>
-              <a:rPr lang="en-US" altLang="zh-CN" dirty="0" smtClean="0"/>
-              <a:t>. </a:t>
-            </a:r>
-            <a:r>
-              <a:rPr lang="zh-CN" altLang="en-US" dirty="0" smtClean="0"/>
-              <a:t>百度出了一个工具就是结合</a:t>
-            </a:r>
-            <a:r>
-              <a:rPr lang="en-US" altLang="zh-CN" dirty="0" err="1" smtClean="0"/>
-              <a:t>dom</a:t>
-            </a:r>
-            <a:r>
-              <a:rPr lang="zh-CN" altLang="en-US" dirty="0" smtClean="0"/>
-              <a:t>树比对和像素比对的监控</a:t>
             </a:r>
             <a:r>
               <a:rPr lang="en-US" altLang="zh-CN" dirty="0" smtClean="0"/>
@@ -1984,7 +2073,7 @@
             </a:r>
             <a:r>
               <a:rPr lang="zh-CN" altLang="en-US" dirty="0" smtClean="0"/>
-              <a:t>通过</a:t>
+              <a:t> </a:t>
             </a:r>
             <a:r>
               <a:rPr lang="en-US" altLang="zh-CN" dirty="0" err="1" smtClean="0"/>
@@ -2008,15 +2097,85 @@
             </a:r>
             <a:r>
               <a:rPr lang="zh-CN" altLang="en-US" sz="1200" dirty="0" smtClean="0"/>
-              <a:t>获取元素相对视窗的位置</a:t>
+              <a:t>能够获取</a:t>
+            </a:r>
+            <a:r>
+              <a:rPr lang="zh-CN" altLang="en-US" sz="1200" dirty="0" smtClean="0"/>
+              <a:t>元素相对视窗的位置</a:t>
             </a:r>
             <a:r>
               <a:rPr lang="en-US" altLang="zh-CN" sz="1200" dirty="0" smtClean="0"/>
               <a:t>,</a:t>
             </a:r>
+          </a:p>
+          <a:p>
+            <a:pPr marL="0" marR="0" indent="0" algn="l" defTabSz="914400" rtl="0" eaLnBrk="1" fontAlgn="auto" latinLnBrk="0" hangingPunct="1">
+              <a:lnSpc>
+                <a:spcPct val="100000"/>
+              </a:lnSpc>
+              <a:spcBef>
+                <a:spcPts val="0"/>
+              </a:spcBef>
+              <a:spcAft>
+                <a:spcPts val="0"/>
+              </a:spcAft>
+              <a:buClrTx/>
+              <a:buSzTx/>
+              <a:buFontTx/>
+              <a:buNone/>
+              <a:tabLst/>
+              <a:defRPr/>
+            </a:pPr>
             <a:r>
               <a:rPr lang="zh-CN" altLang="en-US" sz="1200" dirty="0" smtClean="0"/>
-              <a:t>然后设置截图的位置为这个值</a:t>
+              <a:t>然后通过</a:t>
+            </a:r>
+            <a:r>
+              <a:rPr lang="en-US" altLang="zh-CN" sz="1200" dirty="0" err="1" smtClean="0"/>
+              <a:t>phantomJS</a:t>
+            </a:r>
+            <a:r>
+              <a:rPr lang="zh-CN" altLang="en-US" sz="1200" dirty="0" smtClean="0"/>
+              <a:t>的</a:t>
+            </a:r>
+            <a:r>
+              <a:rPr lang="en-US" altLang="zh-CN" sz="1200" dirty="0" err="1" smtClean="0"/>
+              <a:t>apI</a:t>
+            </a:r>
+            <a:r>
+              <a:rPr lang="zh-CN" altLang="en-US" sz="1200" dirty="0" smtClean="0"/>
+              <a:t>能够设置截图区域</a:t>
+            </a:r>
+            <a:r>
+              <a:rPr lang="en-US" altLang="zh-CN" sz="1200" dirty="0" smtClean="0"/>
+              <a:t>,</a:t>
+            </a:r>
+          </a:p>
+          <a:p>
+            <a:pPr marL="0" marR="0" indent="0" algn="l" defTabSz="914400" rtl="0" eaLnBrk="1" fontAlgn="auto" latinLnBrk="0" hangingPunct="1">
+              <a:lnSpc>
+                <a:spcPct val="100000"/>
+              </a:lnSpc>
+              <a:spcBef>
+                <a:spcPts val="0"/>
+              </a:spcBef>
+              <a:spcAft>
+                <a:spcPts val="0"/>
+              </a:spcAft>
+              <a:buClrTx/>
+              <a:buSzTx/>
+              <a:buFontTx/>
+              <a:buNone/>
+              <a:tabLst/>
+              <a:defRPr/>
+            </a:pPr>
+            <a:r>
+              <a:rPr lang="zh-CN" altLang="en-US" sz="1200" dirty="0" smtClean="0"/>
+              <a:t>设置</a:t>
+            </a:r>
+            <a:r>
+              <a:rPr lang="zh-CN" altLang="en-US" sz="1200" dirty="0" smtClean="0"/>
+              <a:t>截图的位置为这个值</a:t>
             </a:r>
             <a:r>
               <a:rPr lang="en-US" altLang="zh-CN" sz="1200" dirty="0" smtClean="0"/>
@@ -2115,17 +2274,70 @@
           </a:bodyPr>
           <a:lstStyle/>
           <a:p>
-            <a:r>
-              <a:rPr lang="zh-CN" altLang="en-US" dirty="0" smtClean="0"/>
-              <a:t>我通过一个</a:t>
-            </a:r>
-            <a:r>
-              <a:rPr lang="en-US" altLang="zh-CN" dirty="0" smtClean="0"/>
-              <a:t>demo</a:t>
-            </a:r>
-            <a:r>
-              <a:rPr lang="zh-CN" altLang="en-US" dirty="0" smtClean="0"/>
-              <a:t>给大家演示下</a:t>
+            <a:pPr marL="0" marR="0" indent="0" algn="l" defTabSz="914400" rtl="0" eaLnBrk="1" fontAlgn="auto" latinLnBrk="0" hangingPunct="1">
+              <a:lnSpc>
+                <a:spcPct val="100000"/>
+              </a:lnSpc>
+              <a:spcBef>
+                <a:spcPts val="0"/>
+              </a:spcBef>
+              <a:spcAft>
+                <a:spcPts val="0"/>
+              </a:spcAft>
+              <a:buClrTx/>
+              <a:buSzTx/>
+              <a:buFontTx/>
+              <a:buNone/>
+              <a:tabLst/>
+              <a:defRPr/>
+            </a:pPr>
+            <a:r>
+              <a:rPr lang="en-US" altLang="zh-CN" dirty="0" err="1" smtClean="0"/>
+              <a:t>phantomJS</a:t>
+            </a:r>
+            <a:r>
+              <a:rPr lang="zh-CN" altLang="en-US" dirty="0" smtClean="0"/>
+              <a:t>实现的页面自动化操作</a:t>
+            </a:r>
+            <a:r>
+              <a:rPr lang="en-US" altLang="zh-CN" dirty="0" smtClean="0"/>
+              <a:t>,</a:t>
+            </a:r>
+            <a:r>
+              <a:rPr lang="zh-CN" altLang="en-US" dirty="0" smtClean="0"/>
+              <a:t>主流的使用场景有两个</a:t>
+            </a:r>
+            <a:r>
+              <a:rPr lang="en-US" altLang="zh-CN" dirty="0" smtClean="0"/>
+              <a:t>,</a:t>
+            </a:r>
+            <a:r>
+              <a:rPr lang="zh-CN" altLang="en-US" dirty="0" smtClean="0"/>
+              <a:t>一个是编写网络爬虫和抢票软件等自动化程序</a:t>
+            </a:r>
+            <a:r>
+              <a:rPr lang="en-US" altLang="zh-CN" dirty="0" smtClean="0"/>
+              <a:t>,</a:t>
+            </a:r>
+            <a:r>
+              <a:rPr lang="zh-CN" altLang="en-US" dirty="0" smtClean="0"/>
+              <a:t>另外一个就是无界面自动化测试脚本代替人工进行重复的</a:t>
+            </a:r>
+            <a:r>
+              <a:rPr lang="en-US" altLang="zh-CN" dirty="0" smtClean="0"/>
+              <a:t>UI</a:t>
+            </a:r>
+            <a:r>
+              <a:rPr lang="zh-CN" altLang="en-US" dirty="0" smtClean="0"/>
+              <a:t>测试</a:t>
+            </a:r>
+            <a:r>
+              <a:rPr lang="en-US" altLang="zh-CN" dirty="0" smtClean="0"/>
+              <a:t>.</a:t>
+            </a:r>
+            <a:r>
+              <a:rPr lang="zh-CN" altLang="en-US" dirty="0" smtClean="0"/>
+              <a:t>它们的实现基于</a:t>
             </a:r>
             <a:r>
               <a:rPr lang="en-US" altLang="zh-CN" dirty="0" err="1" smtClean="0"/>
@@ -2133,200 +2345,21 @@
             </a:r>
             <a:r>
               <a:rPr lang="zh-CN" altLang="en-US" dirty="0" smtClean="0"/>
-              <a:t>的操作</a:t>
-            </a:r>
-            <a:r>
-              <a:rPr lang="en-US" altLang="zh-CN" dirty="0" smtClean="0"/>
-              <a:t>,</a:t>
-            </a:r>
-            <a:r>
-              <a:rPr lang="zh-CN" altLang="en-US" dirty="0" smtClean="0"/>
-              <a:t>这个</a:t>
-            </a:r>
-            <a:r>
-              <a:rPr lang="en-US" altLang="zh-CN" dirty="0" smtClean="0"/>
-              <a:t>demo</a:t>
-            </a:r>
-            <a:r>
-              <a:rPr lang="zh-CN" altLang="en-US" dirty="0" smtClean="0"/>
-              <a:t>要实现的目标就是</a:t>
-            </a:r>
-            <a:r>
-              <a:rPr lang="en-US" altLang="zh-CN" dirty="0" smtClean="0"/>
-              <a:t>,</a:t>
-            </a:r>
-            <a:r>
-              <a:rPr lang="zh-CN" altLang="en-US" dirty="0" smtClean="0"/>
-              <a:t>打开网页新闻</a:t>
-            </a:r>
-            <a:r>
-              <a:rPr lang="en-US" altLang="zh-CN" dirty="0" smtClean="0"/>
-              <a:t>,</a:t>
-            </a:r>
-            <a:r>
-              <a:rPr lang="zh-CN" altLang="en-US" dirty="0" smtClean="0"/>
-              <a:t>注入</a:t>
-            </a:r>
-            <a:r>
-              <a:rPr lang="en-US" altLang="zh-CN" dirty="0" err="1" smtClean="0"/>
-              <a:t>jquery</a:t>
-            </a:r>
-            <a:r>
-              <a:rPr lang="en-US" altLang="zh-CN" dirty="0" smtClean="0"/>
-              <a:t>,</a:t>
-            </a:r>
-            <a:r>
-              <a:rPr lang="zh-CN" altLang="en-US" dirty="0" smtClean="0"/>
-              <a:t>根据我预设的选择器</a:t>
-            </a:r>
-            <a:r>
-              <a:rPr lang="en-US" altLang="zh-CN" dirty="0" smtClean="0"/>
-              <a:t>,</a:t>
-            </a:r>
-            <a:r>
-              <a:rPr lang="zh-CN" altLang="en-US" dirty="0" smtClean="0"/>
-              <a:t>获取头条新闻链接</a:t>
-            </a:r>
-            <a:r>
-              <a:rPr lang="en-US" altLang="zh-CN" dirty="0" smtClean="0"/>
-              <a:t>,</a:t>
-            </a:r>
-            <a:r>
-              <a:rPr lang="zh-CN" altLang="en-US" dirty="0" smtClean="0"/>
-              <a:t>打开这个链接</a:t>
-            </a:r>
-            <a:r>
-              <a:rPr lang="en-US" altLang="zh-CN" dirty="0" smtClean="0"/>
-              <a:t>,</a:t>
-            </a:r>
-            <a:r>
-              <a:rPr lang="zh-CN" altLang="en-US" dirty="0" smtClean="0"/>
-              <a:t>把链接内容截图出来并保存</a:t>
+              <a:t>提供的底层</a:t>
+            </a:r>
+            <a:r>
+              <a:rPr lang="en-US" altLang="zh-CN" dirty="0" smtClean="0"/>
+              <a:t>API,</a:t>
+            </a:r>
+            <a:r>
+              <a:rPr lang="zh-CN" altLang="en-US" dirty="0" smtClean="0"/>
+              <a:t>能够实现在浏览器级别和页面内容级别的控制</a:t>
             </a:r>
             <a:r>
               <a:rPr lang="en-US" altLang="zh-CN" dirty="0" smtClean="0"/>
               <a:t>.</a:t>
             </a:r>
           </a:p>
-          <a:p>
-            <a:r>
-              <a:rPr lang="zh-CN" altLang="en-US" dirty="0" smtClean="0"/>
-              <a:t>代码实现的流程是</a:t>
-            </a:r>
-            <a:r>
-              <a:rPr lang="en-US" altLang="zh-CN" dirty="0" smtClean="0"/>
-              <a:t>:1.require</a:t>
-            </a:r>
-            <a:r>
-              <a:rPr lang="zh-CN" altLang="en-US" dirty="0" smtClean="0"/>
-              <a:t>一个</a:t>
-            </a:r>
-            <a:r>
-              <a:rPr lang="en-US" altLang="zh-CN" dirty="0" smtClean="0"/>
-              <a:t>webpage</a:t>
-            </a:r>
-            <a:r>
-              <a:rPr lang="zh-CN" altLang="en-US" dirty="0" smtClean="0"/>
-              <a:t>模块 </a:t>
-            </a:r>
-            <a:r>
-              <a:rPr lang="en-US" altLang="zh-CN" dirty="0" smtClean="0"/>
-              <a:t>2.</a:t>
-            </a:r>
-            <a:r>
-              <a:rPr lang="zh-CN" altLang="en-US" dirty="0" smtClean="0"/>
-              <a:t>通过</a:t>
-            </a:r>
-            <a:r>
-              <a:rPr lang="en-US" altLang="zh-CN" dirty="0" smtClean="0"/>
-              <a:t>open,</a:t>
-            </a:r>
-            <a:r>
-              <a:rPr lang="zh-CN" altLang="en-US" dirty="0" smtClean="0"/>
-              <a:t>异步打开一个链接</a:t>
-            </a:r>
-            <a:r>
-              <a:rPr lang="en-US" altLang="zh-CN" baseline="0" dirty="0" smtClean="0"/>
-              <a:t> 3.</a:t>
-            </a:r>
-            <a:r>
-              <a:rPr lang="zh-CN" altLang="en-US" baseline="0" dirty="0" smtClean="0"/>
-              <a:t>打开成功后</a:t>
-            </a:r>
-            <a:r>
-              <a:rPr lang="en-US" altLang="zh-CN" baseline="0" dirty="0" smtClean="0"/>
-              <a:t>,</a:t>
-            </a:r>
-            <a:r>
-              <a:rPr lang="zh-CN" altLang="en-US" baseline="0" dirty="0" smtClean="0"/>
-              <a:t>注入</a:t>
-            </a:r>
-            <a:r>
-              <a:rPr lang="en-US" altLang="zh-CN" baseline="0" dirty="0" err="1" smtClean="0"/>
-              <a:t>jquery</a:t>
-            </a:r>
-            <a:r>
-              <a:rPr lang="en-US" altLang="zh-CN" baseline="0" dirty="0" smtClean="0"/>
-              <a:t> 4.</a:t>
-            </a:r>
-            <a:r>
-              <a:rPr lang="zh-CN" altLang="en-US" baseline="0" dirty="0" smtClean="0"/>
-              <a:t>通过</a:t>
-            </a:r>
-            <a:r>
-              <a:rPr lang="en-US" altLang="zh-CN" baseline="0" dirty="0" smtClean="0"/>
-              <a:t>evaluate</a:t>
-            </a:r>
-            <a:r>
-              <a:rPr lang="zh-CN" altLang="en-US" baseline="0" dirty="0" smtClean="0"/>
-              <a:t>创建一个函数</a:t>
-            </a:r>
-            <a:r>
-              <a:rPr lang="en-US" altLang="zh-CN" baseline="0" dirty="0" smtClean="0"/>
-              <a:t>,</a:t>
-            </a:r>
-            <a:r>
-              <a:rPr lang="zh-CN" altLang="en-US" baseline="0" dirty="0" smtClean="0"/>
-              <a:t>这个函数就是一个独立的环境</a:t>
-            </a:r>
-            <a:r>
-              <a:rPr lang="en-US" altLang="zh-CN" baseline="0" dirty="0" smtClean="0"/>
-              <a:t>,</a:t>
-            </a:r>
-            <a:r>
-              <a:rPr lang="zh-CN" altLang="en-US" baseline="0" dirty="0" smtClean="0"/>
-              <a:t>在这里头执行的代码就是对内容的直接操作</a:t>
-            </a:r>
-            <a:r>
-              <a:rPr lang="en-US" altLang="zh-CN" baseline="0" dirty="0" smtClean="0"/>
-              <a:t>,</a:t>
-            </a:r>
-            <a:r>
-              <a:rPr lang="zh-CN" altLang="en-US" baseline="0" dirty="0" smtClean="0"/>
-              <a:t>这里我们通过选择器获得头条的地址并返回</a:t>
-            </a:r>
-            <a:r>
-              <a:rPr lang="en-US" altLang="zh-CN" baseline="0" dirty="0" smtClean="0"/>
-              <a:t>. 5.</a:t>
-            </a:r>
-            <a:r>
-              <a:rPr lang="zh-CN" altLang="en-US" baseline="0" dirty="0" smtClean="0"/>
-              <a:t>打开这个地址</a:t>
-            </a:r>
-            <a:r>
-              <a:rPr lang="en-US" altLang="zh-CN" baseline="0" dirty="0" smtClean="0"/>
-              <a:t>,</a:t>
-            </a:r>
-            <a:r>
-              <a:rPr lang="zh-CN" altLang="en-US" baseline="0" dirty="0" smtClean="0"/>
-              <a:t>进行截图并保存</a:t>
-            </a:r>
-            <a:r>
-              <a:rPr lang="en-US" altLang="zh-CN" baseline="0" dirty="0" smtClean="0"/>
-              <a:t>.</a:t>
-            </a:r>
-            <a:endParaRPr lang="zh-CN" altLang="en-US" dirty="0"/>
-          </a:p>
         </p:txBody>
       </p:sp>
       <p:sp>
@@ -2347,7 +2380,7 @@
             <a:fld id="{DEBF8DDC-2033-44E9-A853-0FC4CF412EED}" type="slidenum">
               <a:rPr lang="zh-CN" altLang="en-US" smtClean="0"/>
               <a:pPr/>
-              <a:t>9</a:t>
+              <a:t>7</a:t>
             </a:fld>
             <a:endParaRPr lang="zh-CN" altLang="en-US"/>
           </a:p>
@@ -2407,21 +2440,199 @@
           </a:bodyPr>
           <a:lstStyle/>
           <a:p>
-            <a:r>
-              <a:rPr lang="zh-CN" altLang="en-US" dirty="0" smtClean="0"/>
-              <a:t>本来项目中只用到了它很少的功能</a:t>
+            <a:pPr marL="0" marR="0" indent="0" algn="l" defTabSz="914400" rtl="0" eaLnBrk="1" fontAlgn="auto" latinLnBrk="0" hangingPunct="1">
+              <a:lnSpc>
+                <a:spcPct val="100000"/>
+              </a:lnSpc>
+              <a:spcBef>
+                <a:spcPts val="0"/>
+              </a:spcBef>
+              <a:spcAft>
+                <a:spcPts val="0"/>
+              </a:spcAft>
+              <a:buClrTx/>
+              <a:buSzTx/>
+              <a:buFontTx/>
+              <a:buNone/>
+              <a:tabLst/>
+              <a:defRPr/>
+            </a:pPr>
+            <a:r>
+              <a:rPr lang="zh-CN" altLang="en-US" dirty="0" smtClean="0"/>
+              <a:t>网页监控目前主流的实现方式有两个</a:t>
+            </a:r>
+            <a:r>
+              <a:rPr lang="en-US" altLang="zh-CN" dirty="0" smtClean="0"/>
+              <a:t>:</a:t>
+            </a:r>
+          </a:p>
+          <a:p>
+            <a:pPr marL="0" marR="0" indent="0" algn="l" defTabSz="914400" rtl="0" eaLnBrk="1" fontAlgn="auto" latinLnBrk="0" hangingPunct="1">
+              <a:lnSpc>
+                <a:spcPct val="100000"/>
+              </a:lnSpc>
+              <a:spcBef>
+                <a:spcPts val="0"/>
+              </a:spcBef>
+              <a:spcAft>
+                <a:spcPts val="0"/>
+              </a:spcAft>
+              <a:buClrTx/>
+              <a:buSzTx/>
+              <a:buFontTx/>
+              <a:buNone/>
+              <a:tabLst/>
+              <a:defRPr/>
+            </a:pPr>
+            <a:endParaRPr lang="en-US" altLang="zh-CN" dirty="0" smtClean="0"/>
+          </a:p>
+          <a:p>
+            <a:pPr marL="0" marR="0" indent="0" algn="l" defTabSz="914400" rtl="0" eaLnBrk="1" fontAlgn="auto" latinLnBrk="0" hangingPunct="1">
+              <a:lnSpc>
+                <a:spcPct val="100000"/>
+              </a:lnSpc>
+              <a:spcBef>
+                <a:spcPts val="0"/>
+              </a:spcBef>
+              <a:spcAft>
+                <a:spcPts val="0"/>
+              </a:spcAft>
+              <a:buClrTx/>
+              <a:buSzTx/>
+              <a:buFontTx/>
+              <a:buNone/>
+              <a:tabLst/>
+              <a:defRPr/>
+            </a:pPr>
+            <a:r>
+              <a:rPr lang="zh-CN" altLang="en-US" dirty="0" smtClean="0"/>
+              <a:t>一个是</a:t>
+            </a:r>
+            <a:r>
+              <a:rPr lang="en-US" altLang="zh-CN" dirty="0" err="1" smtClean="0"/>
+              <a:t>dom</a:t>
+            </a:r>
+            <a:r>
+              <a:rPr lang="zh-CN" altLang="en-US" dirty="0" smtClean="0"/>
+              <a:t>树比对</a:t>
             </a:r>
             <a:r>
               <a:rPr lang="en-US" altLang="zh-CN" dirty="0" smtClean="0"/>
               <a:t>,</a:t>
             </a:r>
             <a:r>
-              <a:rPr lang="zh-CN" altLang="en-US" dirty="0" smtClean="0"/>
-              <a:t>但是编写的时候就遇到了问题</a:t>
-            </a:r>
-            <a:r>
-              <a:rPr lang="en-US" altLang="zh-CN" dirty="0" smtClean="0"/>
-              <a:t>1,</a:t>
+              <a:rPr lang="zh-CN" altLang="en-US" sz="1200" b="0" i="0" kern="1200" dirty="0" smtClean="0">
+                <a:solidFill>
+                  <a:schemeClr val="tx1"/>
+                </a:solidFill>
+                <a:latin typeface="+mn-lt"/>
+                <a:ea typeface="+mn-ea"/>
+                <a:cs typeface="+mn-cs"/>
+              </a:rPr>
+              <a:t>遍历一部分结构的</a:t>
+            </a:r>
+            <a:r>
+              <a:rPr lang="en-US" altLang="zh-CN" sz="1200" b="0" i="0" kern="1200" dirty="0" err="1" smtClean="0">
+                <a:solidFill>
+                  <a:schemeClr val="tx1"/>
+                </a:solidFill>
+                <a:latin typeface="+mn-lt"/>
+                <a:ea typeface="+mn-ea"/>
+                <a:cs typeface="+mn-cs"/>
+              </a:rPr>
+              <a:t>dom</a:t>
+            </a:r>
+            <a:r>
+              <a:rPr lang="zh-CN" altLang="en-US" sz="1200" b="0" i="0" kern="1200" dirty="0" smtClean="0">
+                <a:solidFill>
+                  <a:schemeClr val="tx1"/>
+                </a:solidFill>
+                <a:latin typeface="+mn-lt"/>
+                <a:ea typeface="+mn-ea"/>
+                <a:cs typeface="+mn-cs"/>
+              </a:rPr>
+              <a:t>树，获取元素计算样式和元素内文本内容，构造出一个</a:t>
+            </a:r>
+            <a:r>
+              <a:rPr lang="en-US" altLang="zh-CN" sz="1200" b="0" i="0" kern="1200" dirty="0" smtClean="0">
+                <a:solidFill>
+                  <a:schemeClr val="tx1"/>
+                </a:solidFill>
+                <a:latin typeface="+mn-lt"/>
+                <a:ea typeface="+mn-ea"/>
+                <a:cs typeface="+mn-cs"/>
+              </a:rPr>
+              <a:t>JSON</a:t>
+            </a:r>
+            <a:r>
+              <a:rPr lang="zh-CN" altLang="en-US" sz="1200" b="0" i="0" kern="1200" dirty="0" smtClean="0">
+                <a:solidFill>
+                  <a:schemeClr val="tx1"/>
+                </a:solidFill>
+                <a:latin typeface="+mn-lt"/>
+                <a:ea typeface="+mn-ea"/>
+                <a:cs typeface="+mn-cs"/>
+              </a:rPr>
+              <a:t>结构，然后每次比对这两个结构来判断页面差异，并标记。之前我运维的竞品比对项目就是这么实现的</a:t>
+            </a:r>
+            <a:r>
+              <a:rPr lang="en-US" altLang="zh-CN" sz="1200" b="0" i="0" kern="1200" dirty="0" smtClean="0">
+                <a:solidFill>
+                  <a:schemeClr val="tx1"/>
+                </a:solidFill>
+                <a:latin typeface="+mn-lt"/>
+                <a:ea typeface="+mn-ea"/>
+                <a:cs typeface="+mn-cs"/>
+              </a:rPr>
+              <a:t>.</a:t>
+            </a:r>
+            <a:endParaRPr lang="en-US" altLang="zh-CN" dirty="0" smtClean="0"/>
+          </a:p>
+          <a:p>
+            <a:pPr marL="0" marR="0" indent="0" algn="l" defTabSz="914400" rtl="0" eaLnBrk="1" fontAlgn="auto" latinLnBrk="0" hangingPunct="1">
+              <a:lnSpc>
+                <a:spcPct val="100000"/>
+              </a:lnSpc>
+              <a:spcBef>
+                <a:spcPts val="0"/>
+              </a:spcBef>
+              <a:spcAft>
+                <a:spcPts val="0"/>
+              </a:spcAft>
+              <a:buClrTx/>
+              <a:buSzTx/>
+              <a:buFontTx/>
+              <a:buNone/>
+              <a:tabLst/>
+              <a:defRPr/>
+            </a:pPr>
+            <a:endParaRPr lang="en-US" altLang="zh-CN" dirty="0" smtClean="0"/>
+          </a:p>
+          <a:p>
+            <a:pPr marL="0" marR="0" indent="0" algn="l" defTabSz="914400" rtl="0" eaLnBrk="1" fontAlgn="auto" latinLnBrk="0" hangingPunct="1">
+              <a:lnSpc>
+                <a:spcPct val="100000"/>
+              </a:lnSpc>
+              <a:spcBef>
+                <a:spcPts val="0"/>
+              </a:spcBef>
+              <a:spcAft>
+                <a:spcPts val="0"/>
+              </a:spcAft>
+              <a:buClrTx/>
+              <a:buSzTx/>
+              <a:buFontTx/>
+              <a:buNone/>
+              <a:tabLst/>
+              <a:defRPr/>
+            </a:pPr>
+            <a:r>
+              <a:rPr lang="zh-CN" altLang="en-US" baseline="0" dirty="0" smtClean="0"/>
+              <a:t>百度就出了一个把这两种方式结合的工具用来监控系统</a:t>
+            </a:r>
+            <a:r>
+              <a:rPr lang="en-US" altLang="zh-CN" baseline="0" dirty="0" smtClean="0"/>
+              <a:t>.</a:t>
             </a:r>
             <a:endParaRPr lang="zh-CN" altLang="en-US" dirty="0"/>
           </a:p>
@@ -2445,7 +2656,7 @@
             <a:fld id="{DEBF8DDC-2033-44E9-A853-0FC4CF412EED}" type="slidenum">
               <a:rPr lang="zh-CN" altLang="en-US" smtClean="0"/>
               <a:pPr/>
-              <a:t>11</a:t>
+              <a:t>8</a:t>
             </a:fld>
             <a:endParaRPr lang="zh-CN" altLang="en-US"/>
           </a:p>
@@ -2505,14 +2716,181 @@
           </a:bodyPr>
           <a:lstStyle/>
           <a:p>
-            <a:r>
-              <a:rPr lang="en-US" altLang="zh-CN" dirty="0" smtClean="0"/>
-              <a:t> </a:t>
-            </a:r>
-            <a:r>
-              <a:rPr lang="zh-CN" altLang="en-US" dirty="0" smtClean="0"/>
-              <a:t>我也是</a:t>
-            </a:r>
+            <a:pPr marL="0" marR="0" indent="0" algn="l" defTabSz="914400" rtl="0" eaLnBrk="1" fontAlgn="auto" latinLnBrk="0" hangingPunct="1">
+              <a:lnSpc>
+                <a:spcPct val="100000"/>
+              </a:lnSpc>
+              <a:spcBef>
+                <a:spcPts val="0"/>
+              </a:spcBef>
+              <a:spcAft>
+                <a:spcPts val="0"/>
+              </a:spcAft>
+              <a:buClrTx/>
+              <a:buSzTx/>
+              <a:buFontTx/>
+              <a:buNone/>
+              <a:tabLst/>
+              <a:defRPr/>
+            </a:pPr>
+            <a:r>
+              <a:rPr lang="zh-CN" altLang="en-US" dirty="0" smtClean="0"/>
+              <a:t>另外一个就是通过像素比对</a:t>
+            </a:r>
+            <a:r>
+              <a:rPr lang="en-US" altLang="zh-CN" dirty="0" smtClean="0"/>
+              <a:t>,</a:t>
+            </a:r>
+            <a:r>
+              <a:rPr lang="zh-CN" altLang="en-US" dirty="0" smtClean="0"/>
+              <a:t>就是每隔一段时间进行截图</a:t>
+            </a:r>
+            <a:r>
+              <a:rPr lang="en-US" altLang="zh-CN" dirty="0" smtClean="0"/>
+              <a:t>,</a:t>
+            </a:r>
+            <a:r>
+              <a:rPr lang="zh-CN" altLang="en-US" dirty="0" smtClean="0"/>
+              <a:t>然后分析他们的图像差异并显示出来</a:t>
+            </a:r>
+            <a:r>
+              <a:rPr lang="en-US" altLang="zh-CN" dirty="0" smtClean="0"/>
+              <a:t>.</a:t>
+            </a:r>
+            <a:r>
+              <a:rPr lang="zh-CN" altLang="en-US" dirty="0" smtClean="0"/>
+              <a:t>我看了一个第三方库的一部分源代码</a:t>
+            </a:r>
+            <a:r>
+              <a:rPr lang="en-US" altLang="zh-CN" dirty="0" smtClean="0"/>
+              <a:t>,</a:t>
+            </a:r>
+            <a:r>
+              <a:rPr lang="zh-CN" altLang="en-US" dirty="0" smtClean="0"/>
+              <a:t>它的实现就是用</a:t>
+            </a:r>
+            <a:r>
+              <a:rPr lang="en-US" altLang="zh-CN" dirty="0" err="1" smtClean="0"/>
+              <a:t>phantomjs</a:t>
+            </a:r>
+            <a:r>
+              <a:rPr lang="zh-CN" altLang="en-US" dirty="0" smtClean="0"/>
+              <a:t>进行截图</a:t>
+            </a:r>
+            <a:r>
+              <a:rPr lang="en-US" altLang="zh-CN" dirty="0" smtClean="0"/>
+              <a:t>,</a:t>
+            </a:r>
+            <a:r>
+              <a:rPr lang="zh-CN" altLang="en-US" dirty="0" smtClean="0"/>
+              <a:t>然后调用原生的</a:t>
+            </a:r>
+            <a:r>
+              <a:rPr lang="en-US" altLang="zh-CN" dirty="0" err="1" smtClean="0"/>
+              <a:t>HTMLCanvasElement</a:t>
+            </a:r>
+            <a:r>
+              <a:rPr lang="zh-CN" altLang="en-US" dirty="0" smtClean="0"/>
+              <a:t>接口获得上下文</a:t>
+            </a:r>
+            <a:r>
+              <a:rPr lang="en-US" altLang="zh-CN" dirty="0" smtClean="0"/>
+              <a:t>,</a:t>
+            </a:r>
+            <a:r>
+              <a:rPr lang="zh-CN" altLang="en-US" dirty="0" smtClean="0"/>
+              <a:t>然后执行</a:t>
+            </a:r>
+            <a:r>
+              <a:rPr lang="en-US" altLang="zh-CN" dirty="0" err="1" smtClean="0"/>
+              <a:t>drawImage</a:t>
+            </a:r>
+            <a:r>
+              <a:rPr lang="zh-CN" altLang="en-US" dirty="0" smtClean="0"/>
+              <a:t>绘制</a:t>
+            </a:r>
+            <a:r>
+              <a:rPr lang="en-US" altLang="zh-CN" dirty="0" smtClean="0"/>
+              <a:t>canvas</a:t>
+            </a:r>
+            <a:r>
+              <a:rPr lang="zh-CN" altLang="en-US" dirty="0" smtClean="0"/>
+              <a:t>数据</a:t>
+            </a:r>
+            <a:r>
+              <a:rPr lang="en-US" altLang="zh-CN" dirty="0" smtClean="0"/>
+              <a:t>,</a:t>
+            </a:r>
+            <a:r>
+              <a:rPr lang="zh-CN" altLang="en-US" dirty="0" smtClean="0"/>
+              <a:t>最后通过</a:t>
+            </a:r>
+            <a:r>
+              <a:rPr lang="en-US" altLang="zh-CN" dirty="0" err="1" smtClean="0"/>
+              <a:t>imageData</a:t>
+            </a:r>
+            <a:r>
+              <a:rPr lang="zh-CN" altLang="en-US" dirty="0" smtClean="0"/>
+              <a:t>接口获得真实的像素数据</a:t>
+            </a:r>
+            <a:r>
+              <a:rPr lang="en-US" altLang="zh-CN" dirty="0" smtClean="0"/>
+              <a:t>,</a:t>
+            </a:r>
+            <a:r>
+              <a:rPr lang="zh-CN" altLang="en-US" dirty="0" smtClean="0"/>
+              <a:t>通过算法和上一时段进行比对</a:t>
+            </a:r>
+            <a:r>
+              <a:rPr lang="en-US" altLang="zh-CN" dirty="0" smtClean="0"/>
+              <a:t>.</a:t>
+            </a:r>
+            <a:r>
+              <a:rPr lang="zh-CN" altLang="en-US" dirty="0" smtClean="0"/>
+              <a:t>已经有一些类似的产品了</a:t>
+            </a:r>
+            <a:r>
+              <a:rPr lang="en-US" altLang="zh-CN" dirty="0" smtClean="0"/>
+              <a:t>,</a:t>
+            </a:r>
+            <a:r>
+              <a:rPr lang="zh-CN" altLang="en-US" dirty="0" smtClean="0"/>
+              <a:t>比如</a:t>
+            </a:r>
+            <a:r>
+              <a:rPr lang="en-US" altLang="zh-CN" dirty="0" smtClean="0"/>
+              <a:t>resemble.js, </a:t>
+            </a:r>
+            <a:r>
+              <a:rPr lang="en-US" altLang="zh-CN" dirty="0" err="1" smtClean="0"/>
+              <a:t>BackstopJS</a:t>
+            </a:r>
+            <a:r>
+              <a:rPr lang="zh-CN" altLang="en-US" dirty="0" smtClean="0"/>
+              <a:t>等</a:t>
+            </a:r>
+            <a:r>
+              <a:rPr lang="en-US" altLang="zh-CN" dirty="0" smtClean="0"/>
+              <a:t>.</a:t>
+            </a:r>
+            <a:r>
+              <a:rPr lang="zh-CN" altLang="en-US" dirty="0" smtClean="0"/>
+              <a:t>就是精度不高</a:t>
+            </a:r>
+            <a:r>
+              <a:rPr lang="en-US" altLang="zh-CN" dirty="0" smtClean="0"/>
+              <a:t>,</a:t>
+            </a:r>
+            <a:r>
+              <a:rPr lang="zh-CN" altLang="en-US" dirty="0" smtClean="0"/>
+              <a:t>像素越大越不准</a:t>
+            </a:r>
+            <a:r>
+              <a:rPr lang="en-US" altLang="zh-CN" dirty="0" smtClean="0"/>
+              <a:t>.</a:t>
+            </a:r>
+          </a:p>
+          <a:p>
             <a:endParaRPr lang="zh-CN" altLang="en-US" dirty="0"/>
           </a:p>
         </p:txBody>
@@ -2535,7 +2913,7 @@
             <a:fld id="{DEBF8DDC-2033-44E9-A853-0FC4CF412EED}" type="slidenum">
               <a:rPr lang="zh-CN" altLang="en-US" smtClean="0"/>
               <a:pPr/>
-              <a:t>12</a:t>
+              <a:t>9</a:t>
             </a:fld>
             <a:endParaRPr lang="zh-CN" altLang="en-US"/>
           </a:p>
@@ -2731,7 +3109,7 @@
             <a:fld id="{530820CF-B880-4189-942D-D702A7CBA730}" type="datetimeFigureOut">
               <a:rPr lang="zh-CN" altLang="en-US" smtClean="0"/>
               <a:pPr/>
-              <a:t>2016/11/3</a:t>
+              <a:t>2016/11/4</a:t>
             </a:fld>
             <a:endParaRPr lang="zh-CN" altLang="en-US"/>
           </a:p>
@@ -2898,7 +3276,7 @@
             <a:fld id="{530820CF-B880-4189-942D-D702A7CBA730}" type="datetimeFigureOut">
               <a:rPr lang="zh-CN" altLang="en-US" smtClean="0"/>
               <a:pPr/>
-              <a:t>2016/11/3</a:t>
+              <a:t>2016/11/4</a:t>
             </a:fld>
             <a:endParaRPr lang="zh-CN" altLang="en-US"/>
           </a:p>
@@ -3075,7 +3453,7 @@
             <a:fld id="{530820CF-B880-4189-942D-D702A7CBA730}" type="datetimeFigureOut">
               <a:rPr lang="zh-CN" altLang="en-US" smtClean="0"/>
               <a:pPr/>
-              <a:t>2016/11/3</a:t>
+              <a:t>2016/11/4</a:t>
             </a:fld>
             <a:endParaRPr lang="zh-CN" altLang="en-US"/>
           </a:p>
@@ -3242,7 +3620,7 @@
             <a:fld id="{530820CF-B880-4189-942D-D702A7CBA730}" type="datetimeFigureOut">
               <a:rPr lang="zh-CN" altLang="en-US" smtClean="0"/>
               <a:pPr/>
-              <a:t>2016/11/3</a:t>
+              <a:t>2016/11/4</a:t>
             </a:fld>
             <a:endParaRPr lang="zh-CN" altLang="en-US"/>
           </a:p>
@@ -3485,7 +3863,7 @@
             <a:fld id="{530820CF-B880-4189-942D-D702A7CBA730}" type="datetimeFigureOut">
               <a:rPr lang="zh-CN" altLang="en-US" smtClean="0"/>
               <a:pPr/>
-              <a:t>2016/11/3</a:t>
+              <a:t>2016/11/4</a:t>
             </a:fld>
             <a:endParaRPr lang="zh-CN" altLang="en-US"/>
           </a:p>
@@ -3770,7 +4148,7 @@
             <a:fld id="{530820CF-B880-4189-942D-D702A7CBA730}" type="datetimeFigureOut">
               <a:rPr lang="zh-CN" altLang="en-US" smtClean="0"/>
               <a:pPr/>
-              <a:t>2016/11/3</a:t>
+              <a:t>2016/11/4</a:t>
             </a:fld>
             <a:endParaRPr lang="zh-CN" altLang="en-US"/>
           </a:p>
@@ -4189,7 +4567,7 @@
             <a:fld id="{530820CF-B880-4189-942D-D702A7CBA730}" type="datetimeFigureOut">
               <a:rPr lang="zh-CN" altLang="en-US" smtClean="0"/>
               <a:pPr/>
-              <a:t>2016/11/3</a:t>
+              <a:t>2016/11/4</a:t>
             </a:fld>
             <a:endParaRPr lang="zh-CN" altLang="en-US"/>
           </a:p>
@@ -4304,7 +4682,7 @@
             <a:fld id="{530820CF-B880-4189-942D-D702A7CBA730}" type="datetimeFigureOut">
               <a:rPr lang="zh-CN" altLang="en-US" smtClean="0"/>
               <a:pPr/>
-              <a:t>2016/11/3</a:t>
+              <a:t>2016/11/4</a:t>
             </a:fld>
             <a:endParaRPr lang="zh-CN" altLang="en-US"/>
           </a:p>
@@ -4396,7 +4774,7 @@
             <a:fld id="{530820CF-B880-4189-942D-D702A7CBA730}" type="datetimeFigureOut">
               <a:rPr lang="zh-CN" altLang="en-US" smtClean="0"/>
               <a:pPr/>
-              <a:t>2016/11/3</a:t>
+              <a:t>2016/11/4</a:t>
             </a:fld>
             <a:endParaRPr lang="zh-CN" altLang="en-US"/>
           </a:p>
@@ -4670,7 +5048,7 @@
             <a:fld id="{530820CF-B880-4189-942D-D702A7CBA730}" type="datetimeFigureOut">
               <a:rPr lang="zh-CN" altLang="en-US" smtClean="0"/>
               <a:pPr/>
-              <a:t>2016/11/3</a:t>
+              <a:t>2016/11/4</a:t>
             </a:fld>
             <a:endParaRPr lang="zh-CN" altLang="en-US"/>
           </a:p>
@@ -4920,7 +5298,7 @@
             <a:fld id="{530820CF-B880-4189-942D-D702A7CBA730}" type="datetimeFigureOut">
               <a:rPr lang="zh-CN" altLang="en-US" smtClean="0"/>
               <a:pPr/>
-              <a:t>2016/11/3</a:t>
+              <a:t>2016/11/4</a:t>
             </a:fld>
             <a:endParaRPr lang="zh-CN" altLang="en-US"/>
           </a:p>
@@ -5130,7 +5508,7 @@
             <a:fld id="{530820CF-B880-4189-942D-D702A7CBA730}" type="datetimeFigureOut">
               <a:rPr lang="zh-CN" altLang="en-US" smtClean="0"/>
               <a:pPr/>
-              <a:t>2016/11/3</a:t>
+              <a:t>2016/11/4</a:t>
             </a:fld>
             <a:endParaRPr lang="zh-CN" altLang="en-US"/>
           </a:p>
@@ -5628,38 +6006,116 @@
         </p:nvSpPr>
         <p:spPr/>
         <p:txBody>
+          <a:bodyPr>
+            <a:normAutofit fontScale="90000"/>
+          </a:bodyPr>
+          <a:lstStyle/>
+          <a:p>
+            <a:r>
+              <a:rPr lang="zh-CN" altLang="en-US" dirty="0" smtClean="0"/>
+              <a:t>自动化脚本</a:t>
+            </a:r>
+            <a:r>
+              <a:rPr lang="en-US" altLang="zh-CN" dirty="0" smtClean="0"/>
+              <a:t>demo-</a:t>
+            </a:r>
+            <a:r>
+              <a:rPr lang="zh-CN" altLang="en-US" dirty="0" smtClean="0"/>
+              <a:t>获得网易新闻头条并截图</a:t>
+            </a:r>
+            <a:endParaRPr lang="zh-CN" altLang="en-US" dirty="0"/>
+          </a:p>
+        </p:txBody>
+      </p:sp>
+      <p:sp>
+        <p:nvSpPr>
+          <p:cNvPr id="3" name="内容占位符 2"/>
+          <p:cNvSpPr>
+            <a:spLocks noGrp="1"/>
+          </p:cNvSpPr>
+          <p:nvPr>
+            <p:ph idx="1"/>
+          </p:nvPr>
+        </p:nvSpPr>
+        <p:spPr/>
+        <p:txBody>
           <a:bodyPr/>
           <a:lstStyle/>
           <a:p>
             <a:r>
               <a:rPr lang="zh-CN" altLang="en-US" dirty="0" smtClean="0"/>
-              <a:t>竞品比对项目中的应用</a:t>
+              <a:t>打开网易新闻</a:t>
+            </a:r>
+            <a:endParaRPr lang="en-US" altLang="zh-CN" dirty="0" smtClean="0"/>
+          </a:p>
+          <a:p>
+            <a:r>
+              <a:rPr lang="zh-CN" altLang="en-US" dirty="0" smtClean="0"/>
+              <a:t>注入</a:t>
+            </a:r>
+            <a:r>
+              <a:rPr lang="en-US" altLang="zh-CN" dirty="0" err="1" smtClean="0"/>
+              <a:t>jQuery</a:t>
+            </a:r>
+            <a:endParaRPr lang="en-US" altLang="zh-CN" dirty="0" smtClean="0"/>
+          </a:p>
+          <a:p>
+            <a:r>
+              <a:rPr lang="zh-CN" altLang="en-US" dirty="0" smtClean="0"/>
+              <a:t>获取头条链接</a:t>
+            </a:r>
+            <a:endParaRPr lang="en-US" altLang="zh-CN" dirty="0" smtClean="0"/>
+          </a:p>
+          <a:p>
+            <a:r>
+              <a:rPr lang="zh-CN" altLang="en-US" dirty="0" smtClean="0"/>
+              <a:t>打开链接</a:t>
+            </a:r>
+            <a:r>
+              <a:rPr lang="en-US" altLang="zh-CN" dirty="0" smtClean="0"/>
+              <a:t>,</a:t>
+            </a:r>
+            <a:r>
+              <a:rPr lang="zh-CN" altLang="en-US" dirty="0" smtClean="0"/>
+              <a:t>截图</a:t>
             </a:r>
             <a:endParaRPr lang="zh-CN" altLang="en-US" dirty="0"/>
           </a:p>
         </p:txBody>
       </p:sp>
-      <p:sp>
-        <p:nvSpPr>
-          <p:cNvPr id="3" name="内容占位符 2"/>
-          <p:cNvSpPr>
-            <a:spLocks noGrp="1"/>
-          </p:cNvSpPr>
-          <p:nvPr>
-            <p:ph idx="1"/>
-          </p:nvPr>
-        </p:nvSpPr>
-        <p:spPr/>
-        <p:txBody>
-          <a:bodyPr>
-            <a:normAutofit/>
-          </a:bodyPr>
-          <a:lstStyle/>
-          <a:p>
-            <a:endParaRPr lang="zh-CN" altLang="en-US" dirty="0"/>
-          </a:p>
-        </p:txBody>
-      </p:sp>
+      <p:pic>
+        <p:nvPicPr>
+          <p:cNvPr id="3076" name="Picture 4"/>
+          <p:cNvPicPr>
+            <a:picLocks noChangeAspect="1" noChangeArrowheads="1"/>
+          </p:cNvPicPr>
+          <p:nvPr/>
+        </p:nvPicPr>
+        <p:blipFill>
+          <a:blip r:embed="rId3"/>
+          <a:srcRect/>
+          <a:stretch>
+            <a:fillRect/>
+          </a:stretch>
+        </p:blipFill>
+        <p:spPr bwMode="auto">
+          <a:xfrm>
+            <a:off x="3500430" y="1635430"/>
+            <a:ext cx="5572164" cy="5495925"/>
+          </a:xfrm>
+          <a:prstGeom prst="rect">
+            <a:avLst/>
+          </a:prstGeom>
+          <a:noFill/>
+          <a:ln w="9525">
+            <a:noFill/>
+            <a:miter lim="800000"/>
+            <a:headEnd/>
+            <a:tailEnd/>
+          </a:ln>
+          <a:effectLst/>
+        </p:spPr>
+      </p:pic>
     </p:spTree>
   </p:cSld>
   <p:clrMapOvr>
@@ -5725,10 +6181,15 @@
             <p:ph idx="1"/>
           </p:nvPr>
         </p:nvSpPr>
-        <p:spPr/>
+        <p:spPr>
+          <a:xfrm>
+            <a:off x="457200" y="1600200"/>
+            <a:ext cx="8329642" cy="4829196"/>
+          </a:xfrm>
+        </p:spPr>
         <p:txBody>
           <a:bodyPr>
-            <a:normAutofit lnSpcReduction="10000"/>
+            <a:normAutofit fontScale="92500" lnSpcReduction="20000"/>
           </a:bodyPr>
           <a:lstStyle/>
           <a:p>
@@ -5746,7 +6207,7 @@
             </a:r>
             <a:r>
               <a:rPr lang="zh-CN" altLang="en-US" dirty="0" smtClean="0"/>
-              <a:t>有的语法错误不抛出</a:t>
+              <a:t>有的语法错误和内部错误不抛出程序就死那儿了</a:t>
             </a:r>
             <a:endParaRPr lang="en-US" altLang="zh-CN" dirty="0" smtClean="0"/>
           </a:p>
@@ -5765,34 +6226,18 @@
             </a:r>
             <a:r>
               <a:rPr lang="zh-CN" altLang="en-US" dirty="0" smtClean="0"/>
-              <a:t>未关闭问题</a:t>
-            </a:r>
-            <a:r>
-              <a:rPr lang="zh-CN" altLang="en-US" dirty="0" smtClean="0"/>
-              <a:t>多</a:t>
+              <a:t>未关闭问题多</a:t>
             </a:r>
             <a:endParaRPr lang="en-US" altLang="zh-CN" dirty="0" smtClean="0"/>
           </a:p>
           <a:p>
             <a:r>
               <a:rPr lang="en-US" altLang="zh-CN" dirty="0" smtClean="0"/>
-              <a:t>3</a:t>
-            </a:r>
-            <a:r>
-              <a:rPr lang="en-US" altLang="zh-CN" dirty="0" smtClean="0"/>
-              <a:t>.</a:t>
-            </a:r>
-            <a:r>
-              <a:rPr lang="zh-CN" altLang="en-US" dirty="0" smtClean="0"/>
-              <a:t>截图和</a:t>
-            </a:r>
-            <a:r>
-              <a:rPr lang="zh-CN" altLang="en-US" dirty="0" smtClean="0"/>
-              <a:t>真实浏览器有一点</a:t>
-            </a:r>
-            <a:r>
-              <a:rPr lang="zh-CN" altLang="en-US" dirty="0" smtClean="0"/>
-              <a:t>差异</a:t>
+              <a:t>3.</a:t>
+            </a:r>
+            <a:r>
+              <a:rPr lang="zh-CN" altLang="en-US" dirty="0" smtClean="0"/>
+              <a:t>截图和真实浏览器有一点差异</a:t>
             </a:r>
             <a:endParaRPr lang="en-US" altLang="zh-CN" dirty="0" smtClean="0"/>
           </a:p>
@@ -5811,11 +6256,7 @@
             </a:r>
             <a:r>
               <a:rPr lang="zh-CN" altLang="en-US" dirty="0" smtClean="0"/>
-              <a:t> 有未实现</a:t>
-            </a:r>
-            <a:r>
-              <a:rPr lang="zh-CN" altLang="en-US" dirty="0" smtClean="0"/>
-              <a:t>的</a:t>
+              <a:t> 有未实现的</a:t>
             </a:r>
             <a:r>
               <a:rPr lang="en-US" altLang="zh-CN" dirty="0" err="1" smtClean="0"/>
@@ -5823,33 +6264,67 @@
             </a:r>
             <a:r>
               <a:rPr lang="zh-CN" altLang="en-US" dirty="0" smtClean="0"/>
-              <a:t>放在文档</a:t>
-            </a:r>
-            <a:r>
-              <a:rPr lang="zh-CN" altLang="en-US" dirty="0" smtClean="0"/>
-              <a:t>上</a:t>
+              <a:t>放在文档上</a:t>
             </a:r>
             <a:endParaRPr lang="en-US" altLang="zh-CN" dirty="0" smtClean="0"/>
           </a:p>
           <a:p>
+            <a:pPr lvl="1">
+              <a:buNone/>
+            </a:pPr>
             <a:endParaRPr lang="en-US" altLang="zh-CN" dirty="0" smtClean="0"/>
           </a:p>
           <a:p>
-            <a:pPr lvl="1"/>
-            <a:r>
-              <a:rPr lang="zh-CN" altLang="en-US" dirty="0" smtClean="0"/>
-              <a:t>个人</a:t>
-            </a:r>
+            <a:pPr lvl="1">
+              <a:buNone/>
+            </a:pPr>
             <a:r>
               <a:rPr lang="en-US" altLang="zh-CN" dirty="0" smtClean="0"/>
               <a:t>tips</a:t>
             </a:r>
+          </a:p>
+          <a:p>
+            <a:r>
+              <a:rPr lang="zh-CN" altLang="en-US" dirty="0" smtClean="0"/>
+              <a:t>运行前进行</a:t>
+            </a:r>
+            <a:r>
+              <a:rPr lang="en-US" altLang="zh-CN" dirty="0" err="1" smtClean="0"/>
+              <a:t>js</a:t>
+            </a:r>
+            <a:r>
+              <a:rPr lang="en-US" altLang="zh-CN" dirty="0" smtClean="0"/>
+              <a:t> </a:t>
+            </a:r>
+            <a:r>
+              <a:rPr lang="en-US" altLang="zh-CN" dirty="0" err="1" smtClean="0"/>
+              <a:t>fomat</a:t>
+            </a:r>
+            <a:r>
+              <a:rPr lang="zh-CN" altLang="en-US" dirty="0" smtClean="0"/>
+              <a:t>检查</a:t>
+            </a:r>
             <a:endParaRPr lang="en-US" altLang="zh-CN" dirty="0" smtClean="0"/>
           </a:p>
           <a:p>
             <a:r>
               <a:rPr lang="zh-CN" altLang="en-US" dirty="0" smtClean="0"/>
-              <a:t>适用于快速开发涉及</a:t>
+              <a:t>配置好各种错误回调函数</a:t>
+            </a:r>
+            <a:endParaRPr lang="en-US" altLang="zh-CN" dirty="0" smtClean="0"/>
+          </a:p>
+          <a:p>
+            <a:r>
+              <a:rPr lang="zh-CN" altLang="en-US" dirty="0" smtClean="0"/>
+              <a:t>特别适用于需要快速完成</a:t>
+            </a:r>
+            <a:r>
+              <a:rPr lang="en-US" altLang="zh-CN" dirty="0" smtClean="0"/>
+              <a:t>,</a:t>
+            </a:r>
+            <a:r>
+              <a:rPr lang="zh-CN" altLang="en-US" dirty="0" smtClean="0"/>
+              <a:t>对稳定性要求不高的涉及</a:t>
             </a:r>
             <a:r>
               <a:rPr lang="en-US" altLang="zh-CN" dirty="0" err="1" smtClean="0"/>
@@ -5857,42 +6332,7 @@
             </a:r>
             <a:r>
               <a:rPr lang="zh-CN" altLang="en-US" dirty="0" smtClean="0"/>
-              <a:t>操作的小程序</a:t>
-            </a:r>
-            <a:endParaRPr lang="en-US" altLang="zh-CN" dirty="0" smtClean="0"/>
-          </a:p>
-          <a:p>
-            <a:r>
-              <a:rPr lang="zh-CN" altLang="en-US" dirty="0" smtClean="0"/>
-              <a:t>运行</a:t>
-            </a:r>
-            <a:r>
-              <a:rPr lang="zh-CN" altLang="en-US" dirty="0" smtClean="0"/>
-              <a:t>前进行</a:t>
-            </a:r>
-            <a:r>
-              <a:rPr lang="en-US" altLang="zh-CN" dirty="0" err="1" smtClean="0"/>
-              <a:t>js</a:t>
-            </a:r>
-            <a:r>
-              <a:rPr lang="en-US" altLang="zh-CN" dirty="0" smtClean="0"/>
-              <a:t> </a:t>
-            </a:r>
-            <a:r>
-              <a:rPr lang="en-US" altLang="zh-CN" dirty="0" err="1" smtClean="0"/>
-              <a:t>fomat</a:t>
-            </a:r>
-            <a:r>
-              <a:rPr lang="zh-CN" altLang="en-US" dirty="0" smtClean="0"/>
-              <a:t>检查</a:t>
-            </a:r>
-            <a:r>
-              <a:rPr lang="en-US" altLang="zh-CN" dirty="0" smtClean="0"/>
-              <a:t>,</a:t>
-            </a:r>
-            <a:r>
-              <a:rPr lang="zh-CN" altLang="en-US" dirty="0" smtClean="0"/>
-              <a:t>防止卡死</a:t>
+              <a:t>操作或截图的小型程序</a:t>
             </a:r>
             <a:endParaRPr lang="en-US" altLang="zh-CN" dirty="0" smtClean="0"/>
           </a:p>
@@ -5948,7 +6388,7 @@
         </p:nvSpPr>
         <p:spPr>
           <a:xfrm>
-            <a:off x="467544" y="2420888"/>
+            <a:off x="571472" y="2000240"/>
             <a:ext cx="8229600" cy="2980928"/>
           </a:xfrm>
         </p:spPr>
@@ -6104,11 +6544,7 @@
           <a:p>
             <a:r>
               <a:rPr lang="en-US" altLang="zh-CN" dirty="0" smtClean="0"/>
-              <a:t>https://</a:t>
-            </a:r>
-            <a:r>
-              <a:rPr lang="en-US" altLang="zh-CN" dirty="0" smtClean="0"/>
-              <a:t>www.zhihu.com/question/29922082  </a:t>
+              <a:t>https://www.zhihu.com/question/29922082  </a:t>
             </a:r>
           </a:p>
           <a:p>
@@ -6116,7 +6552,6 @@
               <a:rPr lang="en-US" altLang="zh-CN" dirty="0" smtClean="0"/>
               <a:t>https://developer.mozilla.org/en-US/docs/Web/API/Canvas_API/Tutorial/Pixel_manipulation_with_canvas</a:t>
             </a:r>
-            <a:endParaRPr lang="en-US" altLang="zh-CN" dirty="0" smtClean="0"/>
           </a:p>
           <a:p>
             <a:endParaRPr lang="zh-CN" altLang="en-US" dirty="0"/>
@@ -6194,13 +6629,13 @@
           <a:lstStyle/>
           <a:p>
             <a:r>
+              <a:rPr lang="zh-CN" altLang="en-US" dirty="0" smtClean="0"/>
+              <a:t>什么是</a:t>
+            </a:r>
+            <a:r>
               <a:rPr lang="en-US" altLang="zh-CN" dirty="0" err="1" smtClean="0"/>
               <a:t>phantomJs</a:t>
             </a:r>
-            <a:r>
-              <a:rPr lang="zh-CN" altLang="en-US" dirty="0" smtClean="0"/>
-              <a:t>简介</a:t>
-            </a:r>
             <a:endParaRPr lang="en-US" altLang="zh-CN" dirty="0" smtClean="0"/>
           </a:p>
           <a:p>
@@ -6228,24 +6663,17 @@
           <a:p>
             <a:r>
               <a:rPr lang="zh-CN" altLang="en-US" dirty="0" smtClean="0"/>
-              <a:t>项目中的</a:t>
-            </a:r>
-            <a:r>
-              <a:rPr lang="zh-CN" altLang="en-US" dirty="0" smtClean="0"/>
-              <a:t>使用情况介绍</a:t>
+              <a:t>遇到</a:t>
+            </a:r>
+            <a:r>
+              <a:rPr lang="zh-CN" altLang="en-US" dirty="0" smtClean="0"/>
+              <a:t>的问题</a:t>
             </a:r>
             <a:endParaRPr lang="en-US" altLang="zh-CN" dirty="0" smtClean="0"/>
           </a:p>
           <a:p>
             <a:r>
               <a:rPr lang="zh-CN" altLang="en-US" dirty="0" smtClean="0"/>
-              <a:t>遇到的问题</a:t>
-            </a:r>
-            <a:endParaRPr lang="en-US" altLang="zh-CN" dirty="0" smtClean="0"/>
-          </a:p>
-          <a:p>
-            <a:r>
-              <a:rPr lang="zh-CN" altLang="en-US" dirty="0" smtClean="0"/>
               <a:t>使用</a:t>
             </a:r>
             <a:r>
@@ -6253,7 +6681,7 @@
               <a:t>tips</a:t>
             </a:r>
             <a:r>
-              <a:rPr lang="zh-CN" altLang="en-US" smtClean="0"/>
+              <a:rPr lang="zh-CN" altLang="en-US" dirty="0" smtClean="0"/>
               <a:t>和建议</a:t>
             </a:r>
             <a:endParaRPr lang="en-US" altLang="zh-CN" dirty="0" smtClean="0"/>
@@ -6378,7 +6806,15 @@
             </a:r>
             <a:r>
               <a:rPr lang="zh-CN" altLang="en-US" dirty="0" smtClean="0"/>
-              <a:t>开源</a:t>
+              <a:t>开</a:t>
+            </a:r>
+            <a:r>
+              <a:rPr lang="zh-CN" altLang="en-US" dirty="0" smtClean="0"/>
+              <a:t>源</a:t>
+            </a:r>
+            <a:r>
+              <a:rPr lang="en-US" altLang="zh-CN" b="1" dirty="0" smtClean="0"/>
+              <a:t>(BSD)</a:t>
             </a:r>
             <a:r>
               <a:rPr lang="en-US" altLang="zh-CN" dirty="0" err="1" smtClean="0"/>
@@ -6557,11 +6993,7 @@
           <a:p>
             <a:r>
               <a:rPr lang="zh-CN" altLang="en-US" dirty="0" smtClean="0"/>
-              <a:t>页面截</a:t>
-            </a:r>
-            <a:r>
-              <a:rPr lang="zh-CN" altLang="en-US" dirty="0" smtClean="0"/>
-              <a:t>图</a:t>
+              <a:t>页面截图</a:t>
             </a:r>
             <a:endParaRPr lang="en-US" altLang="zh-CN" dirty="0" smtClean="0"/>
           </a:p>
@@ -6573,10 +7005,28 @@
             <a:endParaRPr lang="en-US" altLang="zh-CN" dirty="0" smtClean="0"/>
           </a:p>
           <a:p>
+            <a:r>
+              <a:rPr lang="zh-CN" altLang="en-US" dirty="0" smtClean="0"/>
+              <a:t>网络性能监控</a:t>
+            </a:r>
+            <a:endParaRPr lang="en-US" altLang="zh-CN" dirty="0" smtClean="0"/>
+          </a:p>
+          <a:p>
+            <a:r>
+              <a:rPr lang="zh-CN" altLang="en-US" dirty="0" smtClean="0"/>
+              <a:t>网页监控</a:t>
+            </a:r>
+            <a:endParaRPr lang="en-US" altLang="zh-CN" dirty="0" smtClean="0"/>
+          </a:p>
+          <a:p>
             <a:pPr lvl="1"/>
             <a:r>
-              <a:rPr lang="zh-CN" altLang="en-US" dirty="0" smtClean="0"/>
-              <a:t>自动化脚本</a:t>
+              <a:rPr lang="en-US" altLang="zh-CN" dirty="0" smtClean="0"/>
+              <a:t>Dom</a:t>
+            </a:r>
+            <a:r>
+              <a:rPr lang="zh-CN" altLang="en-US" dirty="0" smtClean="0"/>
+              <a:t>树比对</a:t>
             </a:r>
             <a:endParaRPr lang="en-US" altLang="zh-CN" dirty="0" smtClean="0"/>
           </a:p>
@@ -6584,57 +7034,7 @@
             <a:pPr lvl="1"/>
             <a:r>
               <a:rPr lang="zh-CN" altLang="en-US" dirty="0" smtClean="0"/>
-              <a:t>功能性测试</a:t>
-            </a:r>
-            <a:endParaRPr lang="en-US" altLang="zh-CN" dirty="0" smtClean="0"/>
-          </a:p>
-          <a:p>
-            <a:r>
-              <a:rPr lang="zh-CN" altLang="en-US" dirty="0" smtClean="0"/>
-              <a:t>网络</a:t>
-            </a:r>
-            <a:r>
-              <a:rPr lang="zh-CN" altLang="en-US" dirty="0" smtClean="0"/>
-              <a:t>性能</a:t>
-            </a:r>
-            <a:r>
-              <a:rPr lang="zh-CN" altLang="en-US" dirty="0" smtClean="0"/>
-              <a:t>监控</a:t>
-            </a:r>
-            <a:endParaRPr lang="en-US" altLang="zh-CN" dirty="0" smtClean="0"/>
-          </a:p>
-          <a:p>
-            <a:r>
-              <a:rPr lang="zh-CN" altLang="en-US" dirty="0" smtClean="0"/>
-              <a:t>网页监控</a:t>
-            </a:r>
-            <a:endParaRPr lang="en-US" altLang="zh-CN" dirty="0" smtClean="0"/>
-          </a:p>
-          <a:p>
-            <a:pPr lvl="1"/>
-            <a:r>
-              <a:rPr lang="en-US" altLang="zh-CN" dirty="0" smtClean="0"/>
-              <a:t>Dom</a:t>
-            </a:r>
-            <a:r>
-              <a:rPr lang="zh-CN" altLang="en-US" dirty="0" smtClean="0"/>
-              <a:t>树比</a:t>
-            </a:r>
-            <a:r>
-              <a:rPr lang="zh-CN" altLang="en-US" dirty="0" smtClean="0"/>
-              <a:t>对</a:t>
-            </a:r>
-            <a:endParaRPr lang="en-US" altLang="zh-CN" dirty="0" smtClean="0"/>
-          </a:p>
-          <a:p>
-            <a:pPr lvl="1"/>
-            <a:r>
-              <a:rPr lang="zh-CN" altLang="en-US" dirty="0" smtClean="0"/>
-              <a:t>像素</a:t>
-            </a:r>
-            <a:r>
-              <a:rPr lang="zh-CN" altLang="en-US" dirty="0" smtClean="0"/>
-              <a:t>比对</a:t>
+              <a:t>像素比对</a:t>
             </a:r>
             <a:endParaRPr lang="en-US" altLang="zh-CN" dirty="0" smtClean="0"/>
           </a:p>
@@ -6863,22 +7263,18 @@
           <a:p>
             <a:r>
               <a:rPr lang="zh-CN" altLang="en-US" sz="2800" dirty="0" smtClean="0"/>
-              <a:t>和浏览器打开效果一样的截图</a:t>
+              <a:t>同浏览器效果</a:t>
             </a:r>
             <a:endParaRPr lang="en-US" altLang="zh-CN" sz="2800" dirty="0" smtClean="0"/>
           </a:p>
           <a:p>
             <a:r>
               <a:rPr lang="zh-CN" altLang="en-US" sz="2800" dirty="0" smtClean="0"/>
-              <a:t>通过</a:t>
+              <a:t>通过原生</a:t>
             </a:r>
             <a:r>
               <a:rPr lang="en-US" altLang="zh-CN" sz="2800" dirty="0" smtClean="0"/>
-              <a:t>JS</a:t>
-            </a:r>
-            <a:r>
-              <a:rPr lang="zh-CN" altLang="en-US" sz="2800" dirty="0" smtClean="0"/>
-              <a:t>原生</a:t>
+              <a:t>JS </a:t>
             </a:r>
             <a:r>
               <a:rPr lang="en-US" altLang="zh-CN" sz="2800" dirty="0" err="1" smtClean="0"/>
@@ -6886,7 +7282,15 @@
             </a:r>
             <a:r>
               <a:rPr lang="zh-CN" altLang="en-US" sz="2800" dirty="0" smtClean="0"/>
-              <a:t>对指定元素截图</a:t>
+              <a:t>获取位置</a:t>
+            </a:r>
+            <a:r>
+              <a:rPr lang="zh-CN" altLang="en-US" sz="2800" dirty="0" smtClean="0"/>
+              <a:t>实现</a:t>
+            </a:r>
+            <a:r>
+              <a:rPr lang="zh-CN" altLang="en-US" sz="2800" dirty="0" smtClean="0"/>
+              <a:t>对指定元素进行截图</a:t>
             </a:r>
             <a:endParaRPr lang="zh-CN" altLang="en-US" sz="2800" dirty="0"/>
           </a:p>
@@ -6949,7 +7353,7 @@
       </p:sp>
       <p:pic>
         <p:nvPicPr>
-          <p:cNvPr id="2050" name="Picture 2" descr="C:\Users\bjzhangchengsi\Downloads\自动化操作.png"/>
+          <p:cNvPr id="9" name="Picture 4" descr="C:\Users\bjzhangchengsi\Downloads\自动化操作 (3).png"/>
           <p:cNvPicPr>
             <a:picLocks noGrp="1" noChangeAspect="1" noChangeArrowheads="1"/>
           </p:cNvPicPr>
@@ -6958,7 +7362,7 @@
           </p:nvPr>
         </p:nvPicPr>
         <p:blipFill>
-          <a:blip r:embed="rId2"/>
+          <a:blip r:embed="rId3"/>
           <a:srcRect/>
           <a:stretch>
             <a:fillRect/>
@@ -6966,8 +7370,8 @@
         </p:blipFill>
         <p:spPr bwMode="auto">
           <a:xfrm>
-            <a:off x="881679" y="1600200"/>
-            <a:ext cx="7380642" cy="4525963"/>
+            <a:off x="457200" y="1604996"/>
+            <a:ext cx="8229600" cy="4516371"/>
           </a:xfrm>
           <a:prstGeom prst="rect">
             <a:avLst/>
@@ -7022,7 +7426,23 @@
           <a:bodyPr/>
           <a:lstStyle/>
           <a:p>
-            <a:endParaRPr lang="zh-CN" altLang="en-US"/>
+            <a:r>
+              <a:rPr lang="zh-CN" altLang="en-US" dirty="0" smtClean="0"/>
+              <a:t>网页监控</a:t>
+            </a:r>
+            <a:r>
+              <a:rPr lang="en-US" altLang="zh-CN" dirty="0" smtClean="0"/>
+              <a:t>-</a:t>
+            </a:r>
+            <a:r>
+              <a:rPr lang="en-US" altLang="zh-CN" dirty="0" err="1" smtClean="0"/>
+              <a:t>dom</a:t>
+            </a:r>
+            <a:r>
+              <a:rPr lang="zh-CN" altLang="en-US" dirty="0" smtClean="0"/>
+              <a:t>树比对</a:t>
+            </a:r>
+            <a:endParaRPr lang="zh-CN" altLang="en-US" dirty="0"/>
           </a:p>
         </p:txBody>
       </p:sp>
@@ -7041,15 +7461,153 @@
           <a:bodyPr/>
           <a:lstStyle/>
           <a:p>
-            <a:endParaRPr lang="zh-CN" altLang="en-US" dirty="0"/>
-          </a:p>
-        </p:txBody>
-      </p:sp>
+            <a:r>
+              <a:rPr lang="en-US" altLang="zh-CN" dirty="0" smtClean="0"/>
+              <a:t>DOM</a:t>
+            </a:r>
+            <a:r>
+              <a:rPr lang="zh-CN" altLang="en-US" dirty="0" smtClean="0"/>
+              <a:t>树比</a:t>
+            </a:r>
+            <a:r>
+              <a:rPr lang="zh-CN" altLang="en-US" dirty="0" smtClean="0"/>
+              <a:t>对</a:t>
+            </a:r>
+            <a:endParaRPr lang="en-US" altLang="zh-CN" dirty="0" smtClean="0"/>
+          </a:p>
+          <a:p>
+            <a:pPr lvl="1"/>
+            <a:r>
+              <a:rPr lang="zh-CN" altLang="en-US" dirty="0" smtClean="0"/>
+              <a:t>网易竞品</a:t>
+            </a:r>
+            <a:endParaRPr lang="en-US" altLang="zh-CN" dirty="0" smtClean="0"/>
+          </a:p>
+          <a:p>
+            <a:pPr lvl="1"/>
+            <a:r>
+              <a:rPr lang="en-US" altLang="zh-CN" dirty="0" smtClean="0">
+                <a:hlinkClick r:id="rId3"/>
+              </a:rPr>
+              <a:t>https://</a:t>
+            </a:r>
+            <a:r>
+              <a:rPr lang="en-US" altLang="zh-CN" dirty="0" smtClean="0">
+                <a:hlinkClick r:id="rId3"/>
+              </a:rPr>
+              <a:t>github.com/fouber/page-monitor</a:t>
+            </a:r>
+            <a:r>
+              <a:rPr lang="en-US" altLang="zh-CN" dirty="0" smtClean="0"/>
+              <a:t>(</a:t>
+            </a:r>
+            <a:r>
+              <a:rPr lang="zh-CN" altLang="en-US" dirty="0" smtClean="0"/>
+              <a:t>国内的一个库</a:t>
+            </a:r>
+            <a:r>
+              <a:rPr lang="en-US" altLang="zh-CN" dirty="0" smtClean="0"/>
+              <a:t>)</a:t>
+            </a:r>
+            <a:endParaRPr lang="en-US" altLang="zh-CN" dirty="0" smtClean="0"/>
+          </a:p>
+          <a:p>
+            <a:pPr>
+              <a:buNone/>
+            </a:pPr>
+            <a:endParaRPr lang="en-US" altLang="zh-CN" dirty="0" smtClean="0"/>
+          </a:p>
+          <a:p>
+            <a:pPr>
+              <a:buNone/>
+            </a:pPr>
+            <a:r>
+              <a:rPr lang="en-US" altLang="zh-CN" dirty="0" err="1" smtClean="0"/>
+              <a:t>phantomJs</a:t>
+            </a:r>
+            <a:r>
+              <a:rPr lang="zh-CN" altLang="en-US" dirty="0" smtClean="0"/>
+              <a:t>定时抓取</a:t>
+            </a:r>
+            <a:r>
+              <a:rPr lang="en-US" altLang="zh-CN" dirty="0" smtClean="0"/>
+              <a:t>,</a:t>
+            </a:r>
+            <a:r>
+              <a:rPr lang="zh-CN" altLang="en-US" dirty="0" smtClean="0"/>
+              <a:t>同结构</a:t>
+            </a:r>
+            <a:r>
+              <a:rPr lang="en-US" altLang="zh-CN" dirty="0" err="1" smtClean="0"/>
+              <a:t>dom</a:t>
+            </a:r>
+            <a:r>
+              <a:rPr lang="zh-CN" altLang="en-US" dirty="0" smtClean="0"/>
+              <a:t>进行比对</a:t>
+            </a:r>
+            <a:endParaRPr lang="en-US" altLang="zh-CN" dirty="0" smtClean="0"/>
+          </a:p>
+          <a:p>
+            <a:pPr>
+              <a:buNone/>
+            </a:pPr>
+            <a:endParaRPr lang="en-US" altLang="zh-CN" dirty="0" smtClean="0"/>
+          </a:p>
+          <a:p>
+            <a:pPr>
+              <a:buNone/>
+            </a:pPr>
+            <a:r>
+              <a:rPr lang="en-US" altLang="zh-CN" dirty="0" smtClean="0"/>
+              <a:t>	</a:t>
+            </a:r>
+          </a:p>
+          <a:p>
+            <a:pPr>
+              <a:buNone/>
+            </a:pPr>
+            <a:endParaRPr lang="en-US" altLang="zh-CN" dirty="0" smtClean="0"/>
+          </a:p>
+        </p:txBody>
+      </p:sp>
+      <p:pic>
+        <p:nvPicPr>
+          <p:cNvPr id="6" name="Picture 2" descr="C:\Users\bjzhangchengsi\Pictures\09918f07833307ba8aa048cc0dfc0d88_b.jpg"/>
+          <p:cNvPicPr>
+            <a:picLocks noChangeAspect="1" noChangeArrowheads="1"/>
+          </p:cNvPicPr>
+          <p:nvPr/>
+        </p:nvPicPr>
+        <p:blipFill>
+          <a:blip r:embed="rId4"/>
+          <a:srcRect/>
+          <a:stretch>
+            <a:fillRect/>
+          </a:stretch>
+        </p:blipFill>
+        <p:spPr bwMode="auto">
+          <a:xfrm>
+            <a:off x="2500298" y="3786190"/>
+            <a:ext cx="3590925" cy="1895475"/>
+          </a:xfrm>
+          <a:prstGeom prst="rect">
+            <a:avLst/>
+          </a:prstGeom>
+          <a:noFill/>
+        </p:spPr>
+      </p:pic>
     </p:spTree>
   </p:cSld>
   <p:clrMapOvr>
     <a:masterClrMapping/>
   </p:clrMapOvr>
+  <p:timing>
+    <p:tnLst>
+      <p:par>
+        <p:cTn id="1" dur="indefinite" restart="never" nodeType="tmRoot"/>
+      </p:par>
+    </p:tnLst>
+  </p:timing>
 </p:sld>
 </file>
 
@@ -7082,86 +7640,97 @@
         </p:nvSpPr>
         <p:spPr/>
         <p:txBody>
+          <a:bodyPr/>
+          <a:lstStyle/>
+          <a:p>
+            <a:r>
+              <a:rPr lang="zh-CN" altLang="en-US" dirty="0" smtClean="0"/>
+              <a:t>网页监控</a:t>
+            </a:r>
+            <a:r>
+              <a:rPr lang="en-US" altLang="zh-CN" dirty="0" smtClean="0"/>
+              <a:t>-</a:t>
+            </a:r>
+            <a:r>
+              <a:rPr lang="zh-CN" altLang="en-US" dirty="0" smtClean="0"/>
+              <a:t>像素比对</a:t>
+            </a:r>
+            <a:endParaRPr lang="zh-CN" altLang="en-US" dirty="0"/>
+          </a:p>
+        </p:txBody>
+      </p:sp>
+      <p:sp>
+        <p:nvSpPr>
+          <p:cNvPr id="3" name="内容占位符 2"/>
+          <p:cNvSpPr>
+            <a:spLocks noGrp="1"/>
+          </p:cNvSpPr>
+          <p:nvPr>
+            <p:ph idx="1"/>
+          </p:nvPr>
+        </p:nvSpPr>
+        <p:spPr/>
+        <p:txBody>
           <a:bodyPr>
-            <a:normAutofit fontScale="90000"/>
+            <a:normAutofit/>
           </a:bodyPr>
           <a:lstStyle/>
           <a:p>
             <a:r>
               <a:rPr lang="zh-CN" altLang="en-US" dirty="0" smtClean="0"/>
-              <a:t>自动化脚本</a:t>
-            </a:r>
-            <a:r>
-              <a:rPr lang="en-US" altLang="zh-CN" dirty="0" smtClean="0"/>
-              <a:t>demo-</a:t>
-            </a:r>
-            <a:r>
-              <a:rPr lang="zh-CN" altLang="en-US" dirty="0" smtClean="0"/>
-              <a:t>获得网易新闻头条并截图</a:t>
-            </a:r>
-            <a:endParaRPr lang="zh-CN" altLang="en-US" dirty="0"/>
-          </a:p>
-        </p:txBody>
-      </p:sp>
-      <p:sp>
-        <p:nvSpPr>
-          <p:cNvPr id="3" name="内容占位符 2"/>
-          <p:cNvSpPr>
-            <a:spLocks noGrp="1"/>
-          </p:cNvSpPr>
-          <p:nvPr>
-            <p:ph idx="1"/>
-          </p:nvPr>
-        </p:nvSpPr>
-        <p:spPr/>
-        <p:txBody>
-          <a:bodyPr/>
-          <a:lstStyle/>
-          <a:p>
-            <a:r>
-              <a:rPr lang="zh-CN" altLang="en-US" dirty="0" smtClean="0"/>
-              <a:t>打开网易新闻</a:t>
+              <a:t>像素比对</a:t>
             </a:r>
             <a:endParaRPr lang="en-US" altLang="zh-CN" dirty="0" smtClean="0"/>
           </a:p>
           <a:p>
-            <a:r>
-              <a:rPr lang="zh-CN" altLang="en-US" dirty="0" smtClean="0"/>
-              <a:t>注入</a:t>
-            </a:r>
-            <a:r>
-              <a:rPr lang="en-US" altLang="zh-CN" dirty="0" err="1" smtClean="0"/>
-              <a:t>jQuery</a:t>
+            <a:pPr>
+              <a:buNone/>
+            </a:pPr>
+            <a:r>
+              <a:rPr lang="en-US" altLang="zh-CN" dirty="0" smtClean="0"/>
+              <a:t>BackStop.js</a:t>
+            </a:r>
+          </a:p>
+          <a:p>
+            <a:pPr>
+              <a:buNone/>
+            </a:pPr>
+            <a:r>
+              <a:rPr lang="en-US" altLang="zh-CN" dirty="0" smtClean="0"/>
+              <a:t>Resemble.js</a:t>
             </a:r>
             <a:endParaRPr lang="en-US" altLang="zh-CN" dirty="0" smtClean="0"/>
           </a:p>
           <a:p>
-            <a:r>
-              <a:rPr lang="zh-CN" altLang="en-US" dirty="0" smtClean="0"/>
-              <a:t>获取头条链接</a:t>
-            </a:r>
+            <a:pPr>
+              <a:buNone/>
+            </a:pPr>
+            <a:endParaRPr lang="en-US" dirty="0" smtClean="0"/>
+          </a:p>
+          <a:p>
+            <a:pPr>
+              <a:buNone/>
+            </a:pPr>
             <a:endParaRPr lang="en-US" altLang="zh-CN" dirty="0" smtClean="0"/>
           </a:p>
           <a:p>
-            <a:r>
-              <a:rPr lang="zh-CN" altLang="en-US" dirty="0" smtClean="0"/>
-              <a:t>打开链接</a:t>
-            </a:r>
-            <a:r>
-              <a:rPr lang="en-US" altLang="zh-CN" dirty="0" smtClean="0"/>
-              <a:t>,</a:t>
-            </a:r>
-            <a:r>
-              <a:rPr lang="zh-CN" altLang="en-US" dirty="0" smtClean="0"/>
-              <a:t>截图</a:t>
-            </a:r>
+            <a:pPr>
+              <a:buNone/>
+            </a:pPr>
+            <a:r>
+              <a:rPr lang="en-US" altLang="zh-CN" dirty="0" smtClean="0"/>
+              <a:t>		</a:t>
+            </a:r>
+            <a:endParaRPr lang="zh-CN" altLang="en-US" dirty="0" smtClean="0"/>
+          </a:p>
+          <a:p>
             <a:endParaRPr lang="zh-CN" altLang="en-US" dirty="0"/>
           </a:p>
         </p:txBody>
       </p:sp>
       <p:pic>
         <p:nvPicPr>
-          <p:cNvPr id="3076" name="Picture 4"/>
+          <p:cNvPr id="4" name="Picture 6" descr="C:\Users\bjzhangchengsi\Pictures\BackstopJS.png"/>
           <p:cNvPicPr>
             <a:picLocks noChangeAspect="1" noChangeArrowheads="1"/>
           </p:cNvPicPr>
@@ -7176,20 +7745,39 @@
         </p:blipFill>
         <p:spPr bwMode="auto">
           <a:xfrm>
-            <a:off x="3500430" y="1635430"/>
-            <a:ext cx="5572164" cy="5495925"/>
+            <a:off x="642910" y="4643446"/>
+            <a:ext cx="7928059" cy="1962155"/>
           </a:xfrm>
           <a:prstGeom prst="rect">
             <a:avLst/>
           </a:prstGeom>
           <a:noFill/>
-          <a:ln w="9525">
-            <a:noFill/>
-            <a:miter lim="800000"/>
-            <a:headEnd/>
-            <a:tailEnd/>
-          </a:ln>
-          <a:effectLst/>
+        </p:spPr>
+      </p:pic>
+      <p:pic>
+        <p:nvPicPr>
+          <p:cNvPr id="3074" name="Picture 2" descr="C:\Users\bjzhangchengsi\Downloads\像素比对 (1).png"/>
+          <p:cNvPicPr>
+            <a:picLocks noChangeAspect="1" noChangeArrowheads="1"/>
+          </p:cNvPicPr>
+          <p:nvPr/>
+        </p:nvPicPr>
+        <p:blipFill>
+          <a:blip r:embed="rId4"/>
+          <a:srcRect/>
+          <a:stretch>
+            <a:fillRect/>
+          </a:stretch>
+        </p:blipFill>
+        <p:spPr bwMode="auto">
+          <a:xfrm>
+            <a:off x="2357422" y="1071546"/>
+            <a:ext cx="6429420" cy="3607308"/>
+          </a:xfrm>
+          <a:prstGeom prst="rect">
+            <a:avLst/>
+          </a:prstGeom>
+          <a:noFill/>
         </p:spPr>
       </p:pic>
     </p:spTree>
